--- a/_umkc-teaching/slides/Lecture14.pptx
+++ b/_umkc-teaching/slides/Lecture14.pptx
@@ -5,7 +5,7 @@
     <p:sldMasterId id="2147483660" r:id="rId1"/>
   </p:sldMasterIdLst>
   <p:notesMasterIdLst>
-    <p:notesMasterId r:id="rId22"/>
+    <p:notesMasterId r:id="rId29"/>
   </p:notesMasterIdLst>
   <p:sldIdLst>
     <p:sldId id="257" r:id="rId2"/>
@@ -28,6 +28,13 @@
     <p:sldId id="485" r:id="rId19"/>
     <p:sldId id="486" r:id="rId20"/>
     <p:sldId id="487" r:id="rId21"/>
+    <p:sldId id="488" r:id="rId22"/>
+    <p:sldId id="489" r:id="rId23"/>
+    <p:sldId id="490" r:id="rId24"/>
+    <p:sldId id="491" r:id="rId25"/>
+    <p:sldId id="492" r:id="rId26"/>
+    <p:sldId id="493" r:id="rId27"/>
+    <p:sldId id="494" r:id="rId28"/>
   </p:sldIdLst>
   <p:sldSz cx="12192000" cy="6858000"/>
   <p:notesSz cx="6858000" cy="9144000"/>
@@ -1542,6 +1549,629 @@
     <p:extLst>
       <p:ext uri="{BB962C8B-B14F-4D97-AF65-F5344CB8AC3E}">
         <p14:creationId xmlns:p14="http://schemas.microsoft.com/office/powerpoint/2010/main" val="745663256"/>
+      </p:ext>
+    </p:extLst>
+  </p:cSld>
+  <p:clrMapOvr>
+    <a:masterClrMapping/>
+  </p:clrMapOvr>
+</p:notes>
+</file>
+
+<file path=ppt/notesSlides/notesSlide20.xml><?xml version="1.0" encoding="utf-8"?>
+<p:notes xmlns:a="http://schemas.openxmlformats.org/drawingml/2006/main" xmlns:r="http://schemas.openxmlformats.org/officeDocument/2006/relationships" xmlns:p="http://schemas.openxmlformats.org/presentationml/2006/main">
+  <p:cSld>
+    <p:spTree>
+      <p:nvGrpSpPr>
+        <p:cNvPr id="1" name=""/>
+        <p:cNvGrpSpPr/>
+        <p:nvPr/>
+      </p:nvGrpSpPr>
+      <p:grpSpPr>
+        <a:xfrm>
+          <a:off x="0" y="0"/>
+          <a:ext cx="0" cy="0"/>
+          <a:chOff x="0" y="0"/>
+          <a:chExt cx="0" cy="0"/>
+        </a:xfrm>
+      </p:grpSpPr>
+      <p:sp>
+        <p:nvSpPr>
+          <p:cNvPr id="2" name="Slide Image Placeholder 1"/>
+          <p:cNvSpPr>
+            <a:spLocks noGrp="1" noRot="1" noChangeAspect="1"/>
+          </p:cNvSpPr>
+          <p:nvPr>
+            <p:ph type="sldImg"/>
+          </p:nvPr>
+        </p:nvSpPr>
+        <p:spPr>
+          <a:xfrm>
+            <a:off x="685800" y="1143000"/>
+            <a:ext cx="5486400" cy="3086100"/>
+          </a:xfrm>
+        </p:spPr>
+      </p:sp>
+      <p:sp>
+        <p:nvSpPr>
+          <p:cNvPr id="3" name="Notes Placeholder 2"/>
+          <p:cNvSpPr>
+            <a:spLocks noGrp="1"/>
+          </p:cNvSpPr>
+          <p:nvPr>
+            <p:ph type="body" idx="1"/>
+          </p:nvPr>
+        </p:nvSpPr>
+        <p:spPr/>
+        <p:txBody>
+          <a:bodyPr/>
+          <a:lstStyle/>
+          <a:p>
+            <a:endParaRPr lang="en-US" dirty="0"/>
+          </a:p>
+        </p:txBody>
+      </p:sp>
+      <p:sp>
+        <p:nvSpPr>
+          <p:cNvPr id="4" name="Slide Number Placeholder 3"/>
+          <p:cNvSpPr>
+            <a:spLocks noGrp="1"/>
+          </p:cNvSpPr>
+          <p:nvPr>
+            <p:ph type="sldNum" sz="quarter" idx="5"/>
+          </p:nvPr>
+        </p:nvSpPr>
+        <p:spPr/>
+        <p:txBody>
+          <a:bodyPr/>
+          <a:lstStyle/>
+          <a:p>
+            <a:fld id="{3F8BDF20-BE86-4883-8A23-4CE3D0058BEA}" type="slidenum">
+              <a:rPr lang="en-US" smtClean="0"/>
+              <a:t>21</a:t>
+            </a:fld>
+            <a:endParaRPr lang="en-US"/>
+          </a:p>
+        </p:txBody>
+      </p:sp>
+    </p:spTree>
+    <p:extLst>
+      <p:ext uri="{BB962C8B-B14F-4D97-AF65-F5344CB8AC3E}">
+        <p14:creationId xmlns:p14="http://schemas.microsoft.com/office/powerpoint/2010/main" val="2454016089"/>
+      </p:ext>
+    </p:extLst>
+  </p:cSld>
+  <p:clrMapOvr>
+    <a:masterClrMapping/>
+  </p:clrMapOvr>
+</p:notes>
+</file>
+
+<file path=ppt/notesSlides/notesSlide21.xml><?xml version="1.0" encoding="utf-8"?>
+<p:notes xmlns:a="http://schemas.openxmlformats.org/drawingml/2006/main" xmlns:r="http://schemas.openxmlformats.org/officeDocument/2006/relationships" xmlns:p="http://schemas.openxmlformats.org/presentationml/2006/main">
+  <p:cSld>
+    <p:spTree>
+      <p:nvGrpSpPr>
+        <p:cNvPr id="1" name=""/>
+        <p:cNvGrpSpPr/>
+        <p:nvPr/>
+      </p:nvGrpSpPr>
+      <p:grpSpPr>
+        <a:xfrm>
+          <a:off x="0" y="0"/>
+          <a:ext cx="0" cy="0"/>
+          <a:chOff x="0" y="0"/>
+          <a:chExt cx="0" cy="0"/>
+        </a:xfrm>
+      </p:grpSpPr>
+      <p:sp>
+        <p:nvSpPr>
+          <p:cNvPr id="2" name="Slide Image Placeholder 1"/>
+          <p:cNvSpPr>
+            <a:spLocks noGrp="1" noRot="1" noChangeAspect="1"/>
+          </p:cNvSpPr>
+          <p:nvPr>
+            <p:ph type="sldImg"/>
+          </p:nvPr>
+        </p:nvSpPr>
+        <p:spPr>
+          <a:xfrm>
+            <a:off x="685800" y="1143000"/>
+            <a:ext cx="5486400" cy="3086100"/>
+          </a:xfrm>
+        </p:spPr>
+      </p:sp>
+      <p:sp>
+        <p:nvSpPr>
+          <p:cNvPr id="3" name="Notes Placeholder 2"/>
+          <p:cNvSpPr>
+            <a:spLocks noGrp="1"/>
+          </p:cNvSpPr>
+          <p:nvPr>
+            <p:ph type="body" idx="1"/>
+          </p:nvPr>
+        </p:nvSpPr>
+        <p:spPr/>
+        <p:txBody>
+          <a:bodyPr/>
+          <a:lstStyle/>
+          <a:p>
+            <a:endParaRPr lang="en-US" dirty="0"/>
+          </a:p>
+        </p:txBody>
+      </p:sp>
+      <p:sp>
+        <p:nvSpPr>
+          <p:cNvPr id="4" name="Slide Number Placeholder 3"/>
+          <p:cNvSpPr>
+            <a:spLocks noGrp="1"/>
+          </p:cNvSpPr>
+          <p:nvPr>
+            <p:ph type="sldNum" sz="quarter" idx="5"/>
+          </p:nvPr>
+        </p:nvSpPr>
+        <p:spPr/>
+        <p:txBody>
+          <a:bodyPr/>
+          <a:lstStyle/>
+          <a:p>
+            <a:fld id="{3F8BDF20-BE86-4883-8A23-4CE3D0058BEA}" type="slidenum">
+              <a:rPr lang="en-US" smtClean="0"/>
+              <a:t>22</a:t>
+            </a:fld>
+            <a:endParaRPr lang="en-US"/>
+          </a:p>
+        </p:txBody>
+      </p:sp>
+    </p:spTree>
+    <p:extLst>
+      <p:ext uri="{BB962C8B-B14F-4D97-AF65-F5344CB8AC3E}">
+        <p14:creationId xmlns:p14="http://schemas.microsoft.com/office/powerpoint/2010/main" val="2171358073"/>
+      </p:ext>
+    </p:extLst>
+  </p:cSld>
+  <p:clrMapOvr>
+    <a:masterClrMapping/>
+  </p:clrMapOvr>
+</p:notes>
+</file>
+
+<file path=ppt/notesSlides/notesSlide22.xml><?xml version="1.0" encoding="utf-8"?>
+<p:notes xmlns:a="http://schemas.openxmlformats.org/drawingml/2006/main" xmlns:r="http://schemas.openxmlformats.org/officeDocument/2006/relationships" xmlns:p="http://schemas.openxmlformats.org/presentationml/2006/main">
+  <p:cSld>
+    <p:spTree>
+      <p:nvGrpSpPr>
+        <p:cNvPr id="1" name=""/>
+        <p:cNvGrpSpPr/>
+        <p:nvPr/>
+      </p:nvGrpSpPr>
+      <p:grpSpPr>
+        <a:xfrm>
+          <a:off x="0" y="0"/>
+          <a:ext cx="0" cy="0"/>
+          <a:chOff x="0" y="0"/>
+          <a:chExt cx="0" cy="0"/>
+        </a:xfrm>
+      </p:grpSpPr>
+      <p:sp>
+        <p:nvSpPr>
+          <p:cNvPr id="2" name="Slide Image Placeholder 1"/>
+          <p:cNvSpPr>
+            <a:spLocks noGrp="1" noRot="1" noChangeAspect="1"/>
+          </p:cNvSpPr>
+          <p:nvPr>
+            <p:ph type="sldImg"/>
+          </p:nvPr>
+        </p:nvSpPr>
+        <p:spPr>
+          <a:xfrm>
+            <a:off x="685800" y="1143000"/>
+            <a:ext cx="5486400" cy="3086100"/>
+          </a:xfrm>
+        </p:spPr>
+      </p:sp>
+      <p:sp>
+        <p:nvSpPr>
+          <p:cNvPr id="3" name="Notes Placeholder 2"/>
+          <p:cNvSpPr>
+            <a:spLocks noGrp="1"/>
+          </p:cNvSpPr>
+          <p:nvPr>
+            <p:ph type="body" idx="1"/>
+          </p:nvPr>
+        </p:nvSpPr>
+        <p:spPr/>
+        <p:txBody>
+          <a:bodyPr/>
+          <a:lstStyle/>
+          <a:p>
+            <a:endParaRPr lang="en-US" dirty="0"/>
+          </a:p>
+        </p:txBody>
+      </p:sp>
+      <p:sp>
+        <p:nvSpPr>
+          <p:cNvPr id="4" name="Slide Number Placeholder 3"/>
+          <p:cNvSpPr>
+            <a:spLocks noGrp="1"/>
+          </p:cNvSpPr>
+          <p:nvPr>
+            <p:ph type="sldNum" sz="quarter" idx="5"/>
+          </p:nvPr>
+        </p:nvSpPr>
+        <p:spPr/>
+        <p:txBody>
+          <a:bodyPr/>
+          <a:lstStyle/>
+          <a:p>
+            <a:fld id="{3F8BDF20-BE86-4883-8A23-4CE3D0058BEA}" type="slidenum">
+              <a:rPr lang="en-US" smtClean="0"/>
+              <a:t>23</a:t>
+            </a:fld>
+            <a:endParaRPr lang="en-US"/>
+          </a:p>
+        </p:txBody>
+      </p:sp>
+    </p:spTree>
+    <p:extLst>
+      <p:ext uri="{BB962C8B-B14F-4D97-AF65-F5344CB8AC3E}">
+        <p14:creationId xmlns:p14="http://schemas.microsoft.com/office/powerpoint/2010/main" val="295568738"/>
+      </p:ext>
+    </p:extLst>
+  </p:cSld>
+  <p:clrMapOvr>
+    <a:masterClrMapping/>
+  </p:clrMapOvr>
+</p:notes>
+</file>
+
+<file path=ppt/notesSlides/notesSlide23.xml><?xml version="1.0" encoding="utf-8"?>
+<p:notes xmlns:a="http://schemas.openxmlformats.org/drawingml/2006/main" xmlns:r="http://schemas.openxmlformats.org/officeDocument/2006/relationships" xmlns:p="http://schemas.openxmlformats.org/presentationml/2006/main">
+  <p:cSld>
+    <p:spTree>
+      <p:nvGrpSpPr>
+        <p:cNvPr id="1" name=""/>
+        <p:cNvGrpSpPr/>
+        <p:nvPr/>
+      </p:nvGrpSpPr>
+      <p:grpSpPr>
+        <a:xfrm>
+          <a:off x="0" y="0"/>
+          <a:ext cx="0" cy="0"/>
+          <a:chOff x="0" y="0"/>
+          <a:chExt cx="0" cy="0"/>
+        </a:xfrm>
+      </p:grpSpPr>
+      <p:sp>
+        <p:nvSpPr>
+          <p:cNvPr id="2" name="Slide Image Placeholder 1"/>
+          <p:cNvSpPr>
+            <a:spLocks noGrp="1" noRot="1" noChangeAspect="1"/>
+          </p:cNvSpPr>
+          <p:nvPr>
+            <p:ph type="sldImg"/>
+          </p:nvPr>
+        </p:nvSpPr>
+        <p:spPr>
+          <a:xfrm>
+            <a:off x="685800" y="1143000"/>
+            <a:ext cx="5486400" cy="3086100"/>
+          </a:xfrm>
+        </p:spPr>
+      </p:sp>
+      <p:sp>
+        <p:nvSpPr>
+          <p:cNvPr id="3" name="Notes Placeholder 2"/>
+          <p:cNvSpPr>
+            <a:spLocks noGrp="1"/>
+          </p:cNvSpPr>
+          <p:nvPr>
+            <p:ph type="body" idx="1"/>
+          </p:nvPr>
+        </p:nvSpPr>
+        <p:spPr/>
+        <p:txBody>
+          <a:bodyPr/>
+          <a:lstStyle/>
+          <a:p>
+            <a:endParaRPr lang="en-US" dirty="0"/>
+          </a:p>
+        </p:txBody>
+      </p:sp>
+      <p:sp>
+        <p:nvSpPr>
+          <p:cNvPr id="4" name="Slide Number Placeholder 3"/>
+          <p:cNvSpPr>
+            <a:spLocks noGrp="1"/>
+          </p:cNvSpPr>
+          <p:nvPr>
+            <p:ph type="sldNum" sz="quarter" idx="5"/>
+          </p:nvPr>
+        </p:nvSpPr>
+        <p:spPr/>
+        <p:txBody>
+          <a:bodyPr/>
+          <a:lstStyle/>
+          <a:p>
+            <a:fld id="{3F8BDF20-BE86-4883-8A23-4CE3D0058BEA}" type="slidenum">
+              <a:rPr lang="en-US" smtClean="0"/>
+              <a:t>24</a:t>
+            </a:fld>
+            <a:endParaRPr lang="en-US"/>
+          </a:p>
+        </p:txBody>
+      </p:sp>
+    </p:spTree>
+    <p:extLst>
+      <p:ext uri="{BB962C8B-B14F-4D97-AF65-F5344CB8AC3E}">
+        <p14:creationId xmlns:p14="http://schemas.microsoft.com/office/powerpoint/2010/main" val="1921000973"/>
+      </p:ext>
+    </p:extLst>
+  </p:cSld>
+  <p:clrMapOvr>
+    <a:masterClrMapping/>
+  </p:clrMapOvr>
+</p:notes>
+</file>
+
+<file path=ppt/notesSlides/notesSlide24.xml><?xml version="1.0" encoding="utf-8"?>
+<p:notes xmlns:a="http://schemas.openxmlformats.org/drawingml/2006/main" xmlns:r="http://schemas.openxmlformats.org/officeDocument/2006/relationships" xmlns:p="http://schemas.openxmlformats.org/presentationml/2006/main">
+  <p:cSld>
+    <p:spTree>
+      <p:nvGrpSpPr>
+        <p:cNvPr id="1" name=""/>
+        <p:cNvGrpSpPr/>
+        <p:nvPr/>
+      </p:nvGrpSpPr>
+      <p:grpSpPr>
+        <a:xfrm>
+          <a:off x="0" y="0"/>
+          <a:ext cx="0" cy="0"/>
+          <a:chOff x="0" y="0"/>
+          <a:chExt cx="0" cy="0"/>
+        </a:xfrm>
+      </p:grpSpPr>
+      <p:sp>
+        <p:nvSpPr>
+          <p:cNvPr id="2" name="Slide Image Placeholder 1"/>
+          <p:cNvSpPr>
+            <a:spLocks noGrp="1" noRot="1" noChangeAspect="1"/>
+          </p:cNvSpPr>
+          <p:nvPr>
+            <p:ph type="sldImg"/>
+          </p:nvPr>
+        </p:nvSpPr>
+        <p:spPr>
+          <a:xfrm>
+            <a:off x="685800" y="1143000"/>
+            <a:ext cx="5486400" cy="3086100"/>
+          </a:xfrm>
+        </p:spPr>
+      </p:sp>
+      <p:sp>
+        <p:nvSpPr>
+          <p:cNvPr id="3" name="Notes Placeholder 2"/>
+          <p:cNvSpPr>
+            <a:spLocks noGrp="1"/>
+          </p:cNvSpPr>
+          <p:nvPr>
+            <p:ph type="body" idx="1"/>
+          </p:nvPr>
+        </p:nvSpPr>
+        <p:spPr/>
+        <p:txBody>
+          <a:bodyPr/>
+          <a:lstStyle/>
+          <a:p>
+            <a:endParaRPr lang="en-US" dirty="0"/>
+          </a:p>
+        </p:txBody>
+      </p:sp>
+      <p:sp>
+        <p:nvSpPr>
+          <p:cNvPr id="4" name="Slide Number Placeholder 3"/>
+          <p:cNvSpPr>
+            <a:spLocks noGrp="1"/>
+          </p:cNvSpPr>
+          <p:nvPr>
+            <p:ph type="sldNum" sz="quarter" idx="5"/>
+          </p:nvPr>
+        </p:nvSpPr>
+        <p:spPr/>
+        <p:txBody>
+          <a:bodyPr/>
+          <a:lstStyle/>
+          <a:p>
+            <a:fld id="{3F8BDF20-BE86-4883-8A23-4CE3D0058BEA}" type="slidenum">
+              <a:rPr lang="en-US" smtClean="0"/>
+              <a:t>25</a:t>
+            </a:fld>
+            <a:endParaRPr lang="en-US"/>
+          </a:p>
+        </p:txBody>
+      </p:sp>
+    </p:spTree>
+    <p:extLst>
+      <p:ext uri="{BB962C8B-B14F-4D97-AF65-F5344CB8AC3E}">
+        <p14:creationId xmlns:p14="http://schemas.microsoft.com/office/powerpoint/2010/main" val="2145883233"/>
+      </p:ext>
+    </p:extLst>
+  </p:cSld>
+  <p:clrMapOvr>
+    <a:masterClrMapping/>
+  </p:clrMapOvr>
+</p:notes>
+</file>
+
+<file path=ppt/notesSlides/notesSlide25.xml><?xml version="1.0" encoding="utf-8"?>
+<p:notes xmlns:a="http://schemas.openxmlformats.org/drawingml/2006/main" xmlns:r="http://schemas.openxmlformats.org/officeDocument/2006/relationships" xmlns:p="http://schemas.openxmlformats.org/presentationml/2006/main">
+  <p:cSld>
+    <p:spTree>
+      <p:nvGrpSpPr>
+        <p:cNvPr id="1" name=""/>
+        <p:cNvGrpSpPr/>
+        <p:nvPr/>
+      </p:nvGrpSpPr>
+      <p:grpSpPr>
+        <a:xfrm>
+          <a:off x="0" y="0"/>
+          <a:ext cx="0" cy="0"/>
+          <a:chOff x="0" y="0"/>
+          <a:chExt cx="0" cy="0"/>
+        </a:xfrm>
+      </p:grpSpPr>
+      <p:sp>
+        <p:nvSpPr>
+          <p:cNvPr id="2" name="Slide Image Placeholder 1"/>
+          <p:cNvSpPr>
+            <a:spLocks noGrp="1" noRot="1" noChangeAspect="1"/>
+          </p:cNvSpPr>
+          <p:nvPr>
+            <p:ph type="sldImg"/>
+          </p:nvPr>
+        </p:nvSpPr>
+        <p:spPr>
+          <a:xfrm>
+            <a:off x="685800" y="1143000"/>
+            <a:ext cx="5486400" cy="3086100"/>
+          </a:xfrm>
+        </p:spPr>
+      </p:sp>
+      <p:sp>
+        <p:nvSpPr>
+          <p:cNvPr id="3" name="Notes Placeholder 2"/>
+          <p:cNvSpPr>
+            <a:spLocks noGrp="1"/>
+          </p:cNvSpPr>
+          <p:nvPr>
+            <p:ph type="body" idx="1"/>
+          </p:nvPr>
+        </p:nvSpPr>
+        <p:spPr/>
+        <p:txBody>
+          <a:bodyPr/>
+          <a:lstStyle/>
+          <a:p>
+            <a:endParaRPr lang="en-US" dirty="0"/>
+          </a:p>
+        </p:txBody>
+      </p:sp>
+      <p:sp>
+        <p:nvSpPr>
+          <p:cNvPr id="4" name="Slide Number Placeholder 3"/>
+          <p:cNvSpPr>
+            <a:spLocks noGrp="1"/>
+          </p:cNvSpPr>
+          <p:nvPr>
+            <p:ph type="sldNum" sz="quarter" idx="5"/>
+          </p:nvPr>
+        </p:nvSpPr>
+        <p:spPr/>
+        <p:txBody>
+          <a:bodyPr/>
+          <a:lstStyle/>
+          <a:p>
+            <a:fld id="{3F8BDF20-BE86-4883-8A23-4CE3D0058BEA}" type="slidenum">
+              <a:rPr lang="en-US" smtClean="0"/>
+              <a:t>26</a:t>
+            </a:fld>
+            <a:endParaRPr lang="en-US"/>
+          </a:p>
+        </p:txBody>
+      </p:sp>
+    </p:spTree>
+    <p:extLst>
+      <p:ext uri="{BB962C8B-B14F-4D97-AF65-F5344CB8AC3E}">
+        <p14:creationId xmlns:p14="http://schemas.microsoft.com/office/powerpoint/2010/main" val="3499562900"/>
+      </p:ext>
+    </p:extLst>
+  </p:cSld>
+  <p:clrMapOvr>
+    <a:masterClrMapping/>
+  </p:clrMapOvr>
+</p:notes>
+</file>
+
+<file path=ppt/notesSlides/notesSlide26.xml><?xml version="1.0" encoding="utf-8"?>
+<p:notes xmlns:a="http://schemas.openxmlformats.org/drawingml/2006/main" xmlns:r="http://schemas.openxmlformats.org/officeDocument/2006/relationships" xmlns:p="http://schemas.openxmlformats.org/presentationml/2006/main">
+  <p:cSld>
+    <p:spTree>
+      <p:nvGrpSpPr>
+        <p:cNvPr id="1" name=""/>
+        <p:cNvGrpSpPr/>
+        <p:nvPr/>
+      </p:nvGrpSpPr>
+      <p:grpSpPr>
+        <a:xfrm>
+          <a:off x="0" y="0"/>
+          <a:ext cx="0" cy="0"/>
+          <a:chOff x="0" y="0"/>
+          <a:chExt cx="0" cy="0"/>
+        </a:xfrm>
+      </p:grpSpPr>
+      <p:sp>
+        <p:nvSpPr>
+          <p:cNvPr id="2" name="Slide Image Placeholder 1"/>
+          <p:cNvSpPr>
+            <a:spLocks noGrp="1" noRot="1" noChangeAspect="1"/>
+          </p:cNvSpPr>
+          <p:nvPr>
+            <p:ph type="sldImg"/>
+          </p:nvPr>
+        </p:nvSpPr>
+        <p:spPr>
+          <a:xfrm>
+            <a:off x="685800" y="1143000"/>
+            <a:ext cx="5486400" cy="3086100"/>
+          </a:xfrm>
+        </p:spPr>
+      </p:sp>
+      <p:sp>
+        <p:nvSpPr>
+          <p:cNvPr id="3" name="Notes Placeholder 2"/>
+          <p:cNvSpPr>
+            <a:spLocks noGrp="1"/>
+          </p:cNvSpPr>
+          <p:nvPr>
+            <p:ph type="body" idx="1"/>
+          </p:nvPr>
+        </p:nvSpPr>
+        <p:spPr/>
+        <p:txBody>
+          <a:bodyPr/>
+          <a:lstStyle/>
+          <a:p>
+            <a:endParaRPr lang="en-US" dirty="0"/>
+          </a:p>
+        </p:txBody>
+      </p:sp>
+      <p:sp>
+        <p:nvSpPr>
+          <p:cNvPr id="4" name="Slide Number Placeholder 3"/>
+          <p:cNvSpPr>
+            <a:spLocks noGrp="1"/>
+          </p:cNvSpPr>
+          <p:nvPr>
+            <p:ph type="sldNum" sz="quarter" idx="5"/>
+          </p:nvPr>
+        </p:nvSpPr>
+        <p:spPr/>
+        <p:txBody>
+          <a:bodyPr/>
+          <a:lstStyle/>
+          <a:p>
+            <a:fld id="{3F8BDF20-BE86-4883-8A23-4CE3D0058BEA}" type="slidenum">
+              <a:rPr lang="en-US" smtClean="0"/>
+              <a:t>27</a:t>
+            </a:fld>
+            <a:endParaRPr lang="en-US"/>
+          </a:p>
+        </p:txBody>
+      </p:sp>
+    </p:spTree>
+    <p:extLst>
+      <p:ext uri="{BB962C8B-B14F-4D97-AF65-F5344CB8AC3E}">
+        <p14:creationId xmlns:p14="http://schemas.microsoft.com/office/powerpoint/2010/main" val="4123875393"/>
       </p:ext>
     </p:extLst>
   </p:cSld>
@@ -7133,6 +7763,1790 @@
     <p:extLst>
       <p:ext uri="{BB962C8B-B14F-4D97-AF65-F5344CB8AC3E}">
         <p14:creationId xmlns:p14="http://schemas.microsoft.com/office/powerpoint/2010/main" val="3096677739"/>
+      </p:ext>
+    </p:extLst>
+  </p:cSld>
+  <p:clrMapOvr>
+    <a:masterClrMapping/>
+  </p:clrMapOvr>
+</p:sld>
+</file>
+
+<file path=ppt/slides/slide21.xml><?xml version="1.0" encoding="utf-8"?>
+<p:sld xmlns:a="http://schemas.openxmlformats.org/drawingml/2006/main" xmlns:r="http://schemas.openxmlformats.org/officeDocument/2006/relationships" xmlns:p="http://schemas.openxmlformats.org/presentationml/2006/main">
+  <p:cSld>
+    <p:spTree>
+      <p:nvGrpSpPr>
+        <p:cNvPr id="1" name=""/>
+        <p:cNvGrpSpPr/>
+        <p:nvPr/>
+      </p:nvGrpSpPr>
+      <p:grpSpPr>
+        <a:xfrm>
+          <a:off x="0" y="0"/>
+          <a:ext cx="0" cy="0"/>
+          <a:chOff x="0" y="0"/>
+          <a:chExt cx="0" cy="0"/>
+        </a:xfrm>
+      </p:grpSpPr>
+      <p:sp>
+        <p:nvSpPr>
+          <p:cNvPr id="2" name="Title 1"/>
+          <p:cNvSpPr>
+            <a:spLocks noGrp="1"/>
+          </p:cNvSpPr>
+          <p:nvPr>
+            <p:ph type="title"/>
+          </p:nvPr>
+        </p:nvSpPr>
+        <p:spPr>
+          <a:xfrm>
+            <a:off x="838200" y="365126"/>
+            <a:ext cx="10515600" cy="981894"/>
+          </a:xfrm>
+        </p:spPr>
+        <p:txBody>
+          <a:bodyPr>
+            <a:normAutofit/>
+          </a:bodyPr>
+          <a:lstStyle/>
+          <a:p>
+            <a:r>
+              <a:rPr lang="en-US" dirty="0"/>
+              <a:t>Regression Models with a Survival Response</a:t>
+            </a:r>
+          </a:p>
+        </p:txBody>
+      </p:sp>
+      <p:sp>
+        <p:nvSpPr>
+          <p:cNvPr id="3" name="TextBox 2">
+            <a:extLst>
+              <a:ext uri="{FF2B5EF4-FFF2-40B4-BE49-F238E27FC236}">
+                <a16:creationId xmlns:a16="http://schemas.microsoft.com/office/drawing/2014/main" id="{E46D69CB-E12B-0F4C-EC3C-96EEA9C691DC}"/>
+              </a:ext>
+            </a:extLst>
+          </p:cNvPr>
+          <p:cNvSpPr txBox="1"/>
+          <p:nvPr/>
+        </p:nvSpPr>
+        <p:spPr>
+          <a:xfrm>
+            <a:off x="959224" y="1658701"/>
+            <a:ext cx="10013576" cy="2246769"/>
+          </a:xfrm>
+          <a:prstGeom prst="rect">
+            <a:avLst/>
+          </a:prstGeom>
+          <a:noFill/>
+        </p:spPr>
+        <p:txBody>
+          <a:bodyPr wrap="square">
+            <a:spAutoFit/>
+          </a:bodyPr>
+          <a:lstStyle/>
+          <a:p>
+            <a:r>
+              <a:rPr lang="en-US" altLang="zh-CN" sz="2800" dirty="0"/>
+              <a:t>We wish to predict the true survival time T. Since the observed quantity Y = min(T;C) is positive and may have a long right tail, we might be tempted to fit a linear regression of log(Y ) on X. But censoring again creates a problem.</a:t>
+            </a:r>
+          </a:p>
+          <a:p>
+            <a:endParaRPr lang="en-US" altLang="zh-CN" sz="2800" dirty="0"/>
+          </a:p>
+        </p:txBody>
+      </p:sp>
+      <p:sp>
+        <p:nvSpPr>
+          <p:cNvPr id="4" name="TextBox 3">
+            <a:extLst>
+              <a:ext uri="{FF2B5EF4-FFF2-40B4-BE49-F238E27FC236}">
+                <a16:creationId xmlns:a16="http://schemas.microsoft.com/office/drawing/2014/main" id="{61A599A2-FEA0-EE5A-DD22-CA47D6BF0A21}"/>
+              </a:ext>
+            </a:extLst>
+          </p:cNvPr>
+          <p:cNvSpPr txBox="1"/>
+          <p:nvPr/>
+        </p:nvSpPr>
+        <p:spPr>
+          <a:xfrm>
+            <a:off x="959224" y="4217151"/>
+            <a:ext cx="10013576" cy="2246769"/>
+          </a:xfrm>
+          <a:prstGeom prst="rect">
+            <a:avLst/>
+          </a:prstGeom>
+          <a:noFill/>
+        </p:spPr>
+        <p:txBody>
+          <a:bodyPr wrap="square">
+            <a:spAutoFit/>
+          </a:bodyPr>
+          <a:lstStyle/>
+          <a:p>
+            <a:r>
+              <a:rPr lang="en-US" altLang="zh-CN" sz="2800" dirty="0"/>
+              <a:t>To overcome this difficulty, we instead make use of a sequential construction, similar to the idea used for the Kaplan-Meier survival curve.</a:t>
+            </a:r>
+          </a:p>
+          <a:p>
+            <a:endParaRPr lang="en-US" altLang="zh-CN" sz="2800" dirty="0"/>
+          </a:p>
+          <a:p>
+            <a:endParaRPr lang="en-US" altLang="zh-CN" sz="2800" dirty="0"/>
+          </a:p>
+        </p:txBody>
+      </p:sp>
+    </p:spTree>
+    <p:extLst>
+      <p:ext uri="{BB962C8B-B14F-4D97-AF65-F5344CB8AC3E}">
+        <p14:creationId xmlns:p14="http://schemas.microsoft.com/office/powerpoint/2010/main" val="1017107924"/>
+      </p:ext>
+    </p:extLst>
+  </p:cSld>
+  <p:clrMapOvr>
+    <a:masterClrMapping/>
+  </p:clrMapOvr>
+</p:sld>
+</file>
+
+<file path=ppt/slides/slide22.xml><?xml version="1.0" encoding="utf-8"?>
+<p:sld xmlns:a="http://schemas.openxmlformats.org/drawingml/2006/main" xmlns:r="http://schemas.openxmlformats.org/officeDocument/2006/relationships" xmlns:p="http://schemas.openxmlformats.org/presentationml/2006/main">
+  <p:cSld>
+    <p:spTree>
+      <p:nvGrpSpPr>
+        <p:cNvPr id="1" name=""/>
+        <p:cNvGrpSpPr/>
+        <p:nvPr/>
+      </p:nvGrpSpPr>
+      <p:grpSpPr>
+        <a:xfrm>
+          <a:off x="0" y="0"/>
+          <a:ext cx="0" cy="0"/>
+          <a:chOff x="0" y="0"/>
+          <a:chExt cx="0" cy="0"/>
+        </a:xfrm>
+      </p:grpSpPr>
+      <p:sp>
+        <p:nvSpPr>
+          <p:cNvPr id="2" name="Title 1"/>
+          <p:cNvSpPr>
+            <a:spLocks noGrp="1"/>
+          </p:cNvSpPr>
+          <p:nvPr>
+            <p:ph type="title"/>
+          </p:nvPr>
+        </p:nvSpPr>
+        <p:spPr>
+          <a:xfrm>
+            <a:off x="838200" y="365126"/>
+            <a:ext cx="10515600" cy="981894"/>
+          </a:xfrm>
+        </p:spPr>
+        <p:txBody>
+          <a:bodyPr>
+            <a:normAutofit/>
+          </a:bodyPr>
+          <a:lstStyle/>
+          <a:p>
+            <a:r>
+              <a:rPr lang="en-US" dirty="0"/>
+              <a:t>Hazard Function</a:t>
+            </a:r>
+          </a:p>
+        </p:txBody>
+      </p:sp>
+      <p:sp>
+        <p:nvSpPr>
+          <p:cNvPr id="3" name="TextBox 2">
+            <a:extLst>
+              <a:ext uri="{FF2B5EF4-FFF2-40B4-BE49-F238E27FC236}">
+                <a16:creationId xmlns:a16="http://schemas.microsoft.com/office/drawing/2014/main" id="{E46D69CB-E12B-0F4C-EC3C-96EEA9C691DC}"/>
+              </a:ext>
+            </a:extLst>
+          </p:cNvPr>
+          <p:cNvSpPr txBox="1"/>
+          <p:nvPr/>
+        </p:nvSpPr>
+        <p:spPr>
+          <a:xfrm>
+            <a:off x="959224" y="1658701"/>
+            <a:ext cx="10013576" cy="954107"/>
+          </a:xfrm>
+          <a:prstGeom prst="rect">
+            <a:avLst/>
+          </a:prstGeom>
+          <a:noFill/>
+        </p:spPr>
+        <p:txBody>
+          <a:bodyPr wrap="square">
+            <a:spAutoFit/>
+          </a:bodyPr>
+          <a:lstStyle/>
+          <a:p>
+            <a:r>
+              <a:rPr lang="en-US" altLang="zh-CN" sz="2800" dirty="0"/>
+              <a:t>The hazard function or hazard rate, also known as the force of</a:t>
+            </a:r>
+          </a:p>
+          <a:p>
+            <a:r>
+              <a:rPr lang="en-US" altLang="zh-CN" sz="2800" dirty="0"/>
+              <a:t>mortality is formally defined as</a:t>
+            </a:r>
+          </a:p>
+        </p:txBody>
+      </p:sp>
+      <p:pic>
+        <p:nvPicPr>
+          <p:cNvPr id="5" name="Picture 4">
+            <a:extLst>
+              <a:ext uri="{FF2B5EF4-FFF2-40B4-BE49-F238E27FC236}">
+                <a16:creationId xmlns:a16="http://schemas.microsoft.com/office/drawing/2014/main" id="{5D1C438D-BFE5-ECCD-820B-611E9617A106}"/>
+              </a:ext>
+            </a:extLst>
+          </p:cNvPr>
+          <p:cNvPicPr>
+            <a:picLocks noChangeAspect="1"/>
+          </p:cNvPicPr>
+          <p:nvPr/>
+        </p:nvPicPr>
+        <p:blipFill>
+          <a:blip r:embed="rId3"/>
+          <a:stretch>
+            <a:fillRect/>
+          </a:stretch>
+        </p:blipFill>
+        <p:spPr>
+          <a:xfrm>
+            <a:off x="2789143" y="2951319"/>
+            <a:ext cx="5611064" cy="955361"/>
+          </a:xfrm>
+          <a:prstGeom prst="rect">
+            <a:avLst/>
+          </a:prstGeom>
+        </p:spPr>
+      </p:pic>
+      <p:sp>
+        <p:nvSpPr>
+          <p:cNvPr id="6" name="TextBox 5">
+            <a:extLst>
+              <a:ext uri="{FF2B5EF4-FFF2-40B4-BE49-F238E27FC236}">
+                <a16:creationId xmlns:a16="http://schemas.microsoft.com/office/drawing/2014/main" id="{BB16A2E8-36BF-805C-E9F8-A60C2EC33B30}"/>
+              </a:ext>
+            </a:extLst>
+          </p:cNvPr>
+          <p:cNvSpPr txBox="1"/>
+          <p:nvPr/>
+        </p:nvSpPr>
+        <p:spPr>
+          <a:xfrm>
+            <a:off x="838200" y="4352595"/>
+            <a:ext cx="10013576" cy="523220"/>
+          </a:xfrm>
+          <a:prstGeom prst="rect">
+            <a:avLst/>
+          </a:prstGeom>
+          <a:noFill/>
+        </p:spPr>
+        <p:txBody>
+          <a:bodyPr wrap="square">
+            <a:spAutoFit/>
+          </a:bodyPr>
+          <a:lstStyle/>
+          <a:p>
+            <a:r>
+              <a:rPr lang="en-US" altLang="zh-CN" sz="2800" dirty="0"/>
+              <a:t>where T is the (true) survival time.</a:t>
+            </a:r>
+          </a:p>
+        </p:txBody>
+      </p:sp>
+      <p:sp>
+        <p:nvSpPr>
+          <p:cNvPr id="7" name="TextBox 6">
+            <a:extLst>
+              <a:ext uri="{FF2B5EF4-FFF2-40B4-BE49-F238E27FC236}">
+                <a16:creationId xmlns:a16="http://schemas.microsoft.com/office/drawing/2014/main" id="{A7556D61-7F4B-74C6-9FA6-E77D39E10954}"/>
+              </a:ext>
+            </a:extLst>
+          </p:cNvPr>
+          <p:cNvSpPr txBox="1"/>
+          <p:nvPr/>
+        </p:nvSpPr>
+        <p:spPr>
+          <a:xfrm>
+            <a:off x="838200" y="5107879"/>
+            <a:ext cx="10013576" cy="1384995"/>
+          </a:xfrm>
+          <a:prstGeom prst="rect">
+            <a:avLst/>
+          </a:prstGeom>
+          <a:noFill/>
+        </p:spPr>
+        <p:txBody>
+          <a:bodyPr wrap="square">
+            <a:spAutoFit/>
+          </a:bodyPr>
+          <a:lstStyle/>
+          <a:p>
+            <a:r>
+              <a:rPr lang="en-US" altLang="zh-CN" sz="2800" dirty="0"/>
+              <a:t>It is the death rate in the instant after time t, given survival up to that time.</a:t>
+            </a:r>
+          </a:p>
+          <a:p>
+            <a:endParaRPr lang="en-US" altLang="zh-CN" sz="2800" dirty="0"/>
+          </a:p>
+        </p:txBody>
+      </p:sp>
+    </p:spTree>
+    <p:extLst>
+      <p:ext uri="{BB962C8B-B14F-4D97-AF65-F5344CB8AC3E}">
+        <p14:creationId xmlns:p14="http://schemas.microsoft.com/office/powerpoint/2010/main" val="3683271982"/>
+      </p:ext>
+    </p:extLst>
+  </p:cSld>
+  <p:clrMapOvr>
+    <a:masterClrMapping/>
+  </p:clrMapOvr>
+</p:sld>
+</file>
+
+<file path=ppt/slides/slide23.xml><?xml version="1.0" encoding="utf-8"?>
+<p:sld xmlns:a="http://schemas.openxmlformats.org/drawingml/2006/main" xmlns:r="http://schemas.openxmlformats.org/officeDocument/2006/relationships" xmlns:p="http://schemas.openxmlformats.org/presentationml/2006/main">
+  <p:cSld>
+    <p:spTree>
+      <p:nvGrpSpPr>
+        <p:cNvPr id="1" name=""/>
+        <p:cNvGrpSpPr/>
+        <p:nvPr/>
+      </p:nvGrpSpPr>
+      <p:grpSpPr>
+        <a:xfrm>
+          <a:off x="0" y="0"/>
+          <a:ext cx="0" cy="0"/>
+          <a:chOff x="0" y="0"/>
+          <a:chExt cx="0" cy="0"/>
+        </a:xfrm>
+      </p:grpSpPr>
+      <p:sp>
+        <p:nvSpPr>
+          <p:cNvPr id="2" name="Title 1"/>
+          <p:cNvSpPr>
+            <a:spLocks noGrp="1"/>
+          </p:cNvSpPr>
+          <p:nvPr>
+            <p:ph type="title"/>
+          </p:nvPr>
+        </p:nvSpPr>
+        <p:spPr>
+          <a:xfrm>
+            <a:off x="838200" y="365126"/>
+            <a:ext cx="10515600" cy="981894"/>
+          </a:xfrm>
+        </p:spPr>
+        <p:txBody>
+          <a:bodyPr>
+            <a:normAutofit/>
+          </a:bodyPr>
+          <a:lstStyle/>
+          <a:p>
+            <a:r>
+              <a:rPr lang="en-US" dirty="0"/>
+              <a:t>The Proportional Hazards Model</a:t>
+            </a:r>
+          </a:p>
+        </p:txBody>
+      </p:sp>
+      <p:sp>
+        <p:nvSpPr>
+          <p:cNvPr id="3" name="TextBox 2">
+            <a:extLst>
+              <a:ext uri="{FF2B5EF4-FFF2-40B4-BE49-F238E27FC236}">
+                <a16:creationId xmlns:a16="http://schemas.microsoft.com/office/drawing/2014/main" id="{E46D69CB-E12B-0F4C-EC3C-96EEA9C691DC}"/>
+              </a:ext>
+            </a:extLst>
+          </p:cNvPr>
+          <p:cNvSpPr txBox="1"/>
+          <p:nvPr/>
+        </p:nvSpPr>
+        <p:spPr>
+          <a:xfrm>
+            <a:off x="959224" y="1658701"/>
+            <a:ext cx="10013576" cy="954107"/>
+          </a:xfrm>
+          <a:prstGeom prst="rect">
+            <a:avLst/>
+          </a:prstGeom>
+          <a:noFill/>
+        </p:spPr>
+        <p:txBody>
+          <a:bodyPr wrap="square">
+            <a:spAutoFit/>
+          </a:bodyPr>
+          <a:lstStyle/>
+          <a:p>
+            <a:r>
+              <a:rPr lang="en-US" altLang="zh-CN" sz="2800" dirty="0"/>
+              <a:t>The proportional hazards assumption states that</a:t>
+            </a:r>
+          </a:p>
+          <a:p>
+            <a:endParaRPr lang="en-US" altLang="zh-CN" sz="2800" dirty="0"/>
+          </a:p>
+        </p:txBody>
+      </p:sp>
+      <mc:AlternateContent xmlns:mc="http://schemas.openxmlformats.org/markup-compatibility/2006">
+        <mc:Choice xmlns:a14="http://schemas.microsoft.com/office/drawing/2010/main" Requires="a14">
+          <p:sp>
+            <p:nvSpPr>
+              <p:cNvPr id="6" name="TextBox 5">
+                <a:extLst>
+                  <a:ext uri="{FF2B5EF4-FFF2-40B4-BE49-F238E27FC236}">
+                    <a16:creationId xmlns:a16="http://schemas.microsoft.com/office/drawing/2014/main" id="{BB16A2E8-36BF-805C-E9F8-A60C2EC33B30}"/>
+                  </a:ext>
+                </a:extLst>
+              </p:cNvPr>
+              <p:cNvSpPr txBox="1"/>
+              <p:nvPr/>
+            </p:nvSpPr>
+            <p:spPr>
+              <a:xfrm>
+                <a:off x="838200" y="4352595"/>
+                <a:ext cx="10013576" cy="1815882"/>
+              </a:xfrm>
+              <a:prstGeom prst="rect">
+                <a:avLst/>
+              </a:prstGeom>
+              <a:noFill/>
+            </p:spPr>
+            <p:txBody>
+              <a:bodyPr wrap="square">
+                <a:spAutoFit/>
+              </a:bodyPr>
+              <a:lstStyle/>
+              <a:p>
+                <a:r>
+                  <a:rPr lang="en-US" altLang="zh-CN" sz="2800" dirty="0"/>
+                  <a:t>where </a:t>
+                </a:r>
+                <a14:m>
+                  <m:oMath xmlns:m="http://schemas.openxmlformats.org/officeDocument/2006/math">
+                    <m:sSub>
+                      <m:sSubPr>
+                        <m:ctrlPr>
+                          <a:rPr lang="en-US" altLang="zh-CN" sz="2800" b="0" i="1" smtClean="0">
+                            <a:latin typeface="Cambria Math" panose="02040503050406030204" pitchFamily="18" charset="0"/>
+                          </a:rPr>
+                        </m:ctrlPr>
+                      </m:sSubPr>
+                      <m:e>
+                        <m:r>
+                          <a:rPr lang="en-US" altLang="zh-CN" sz="2800" b="0" i="1" smtClean="0">
+                            <a:latin typeface="Cambria Math" panose="02040503050406030204" pitchFamily="18" charset="0"/>
+                          </a:rPr>
+                          <m:t>h</m:t>
+                        </m:r>
+                      </m:e>
+                      <m:sub>
+                        <m:r>
+                          <a:rPr lang="en-US" altLang="zh-CN" sz="2800" b="0" i="1" smtClean="0">
+                            <a:latin typeface="Cambria Math" panose="02040503050406030204" pitchFamily="18" charset="0"/>
+                          </a:rPr>
+                          <m:t>0</m:t>
+                        </m:r>
+                      </m:sub>
+                    </m:sSub>
+                    <m:d>
+                      <m:dPr>
+                        <m:ctrlPr>
+                          <a:rPr lang="en-US" altLang="zh-CN" sz="2800" b="0" i="1" smtClean="0">
+                            <a:latin typeface="Cambria Math" panose="02040503050406030204" pitchFamily="18" charset="0"/>
+                          </a:rPr>
+                        </m:ctrlPr>
+                      </m:dPr>
+                      <m:e>
+                        <m:r>
+                          <a:rPr lang="en-US" altLang="zh-CN" sz="2800" b="0" i="1" smtClean="0">
+                            <a:latin typeface="Cambria Math" panose="02040503050406030204" pitchFamily="18" charset="0"/>
+                          </a:rPr>
+                          <m:t>𝑡</m:t>
+                        </m:r>
+                      </m:e>
+                    </m:d>
+                    <m:r>
+                      <a:rPr lang="en-US" altLang="zh-CN" sz="2800" b="0" i="1" smtClean="0">
+                        <a:latin typeface="Cambria Math" panose="02040503050406030204" pitchFamily="18" charset="0"/>
+                      </a:rPr>
+                      <m:t>≤0</m:t>
+                    </m:r>
+                  </m:oMath>
+                </a14:m>
+                <a:r>
+                  <a:rPr lang="en-US" altLang="zh-CN" sz="2800" dirty="0"/>
+                  <a:t> is an unspecified function, known as the baseline hazard. It is the hazard function for an individual with features </a:t>
+                </a:r>
+                <a14:m>
+                  <m:oMath xmlns:m="http://schemas.openxmlformats.org/officeDocument/2006/math">
+                    <m:sSub>
+                      <m:sSubPr>
+                        <m:ctrlPr>
+                          <a:rPr lang="en-US" altLang="zh-CN" sz="2800" b="0" i="1" smtClean="0">
+                            <a:latin typeface="Cambria Math" panose="02040503050406030204" pitchFamily="18" charset="0"/>
+                          </a:rPr>
+                        </m:ctrlPr>
+                      </m:sSubPr>
+                      <m:e>
+                        <m:r>
+                          <a:rPr lang="en-US" altLang="zh-CN" sz="2800" b="0" i="1" smtClean="0">
+                            <a:latin typeface="Cambria Math" panose="02040503050406030204" pitchFamily="18" charset="0"/>
+                          </a:rPr>
+                          <m:t>𝑥</m:t>
+                        </m:r>
+                      </m:e>
+                      <m:sub>
+                        <m:r>
+                          <a:rPr lang="en-US" altLang="zh-CN" sz="2800" b="0" i="1" smtClean="0">
+                            <a:latin typeface="Cambria Math" panose="02040503050406030204" pitchFamily="18" charset="0"/>
+                          </a:rPr>
+                          <m:t>𝑖</m:t>
+                        </m:r>
+                        <m:r>
+                          <a:rPr lang="en-US" altLang="zh-CN" sz="2800" b="0" i="1" smtClean="0">
+                            <a:latin typeface="Cambria Math" panose="02040503050406030204" pitchFamily="18" charset="0"/>
+                          </a:rPr>
+                          <m:t>1</m:t>
+                        </m:r>
+                      </m:sub>
+                    </m:sSub>
+                    <m:r>
+                      <a:rPr lang="en-US" altLang="zh-CN" sz="2800" b="0" i="1" smtClean="0">
+                        <a:latin typeface="Cambria Math" panose="02040503050406030204" pitchFamily="18" charset="0"/>
+                      </a:rPr>
+                      <m:t>, </m:t>
+                    </m:r>
+                    <m:sSub>
+                      <m:sSubPr>
+                        <m:ctrlPr>
+                          <a:rPr lang="en-US" altLang="zh-CN" sz="2800" b="0" i="1" smtClean="0">
+                            <a:latin typeface="Cambria Math" panose="02040503050406030204" pitchFamily="18" charset="0"/>
+                          </a:rPr>
+                        </m:ctrlPr>
+                      </m:sSubPr>
+                      <m:e>
+                        <m:r>
+                          <a:rPr lang="en-US" altLang="zh-CN" sz="2800" b="0" i="1" smtClean="0">
+                            <a:latin typeface="Cambria Math" panose="02040503050406030204" pitchFamily="18" charset="0"/>
+                          </a:rPr>
+                          <m:t>𝑥</m:t>
+                        </m:r>
+                      </m:e>
+                      <m:sub>
+                        <m:r>
+                          <a:rPr lang="en-US" altLang="zh-CN" sz="2800" b="0" i="1" smtClean="0">
+                            <a:latin typeface="Cambria Math" panose="02040503050406030204" pitchFamily="18" charset="0"/>
+                          </a:rPr>
+                          <m:t>𝑖</m:t>
+                        </m:r>
+                        <m:r>
+                          <a:rPr lang="en-US" altLang="zh-CN" sz="2800" b="0" i="1" smtClean="0">
+                            <a:latin typeface="Cambria Math" panose="02040503050406030204" pitchFamily="18" charset="0"/>
+                          </a:rPr>
+                          <m:t>2</m:t>
+                        </m:r>
+                      </m:sub>
+                    </m:sSub>
+                    <m:r>
+                      <a:rPr lang="en-US" altLang="zh-CN" sz="2800" b="0" i="1" smtClean="0">
+                        <a:latin typeface="Cambria Math" panose="02040503050406030204" pitchFamily="18" charset="0"/>
+                      </a:rPr>
+                      <m:t>,…</m:t>
+                    </m:r>
+                  </m:oMath>
+                </a14:m>
+                <a:endParaRPr lang="en-US" altLang="zh-CN" sz="2800" dirty="0"/>
+              </a:p>
+              <a:p>
+                <a:endParaRPr lang="en-US" altLang="zh-CN" sz="2800" dirty="0"/>
+              </a:p>
+            </p:txBody>
+          </p:sp>
+        </mc:Choice>
+        <mc:Fallback>
+          <p:sp>
+            <p:nvSpPr>
+              <p:cNvPr id="6" name="TextBox 5">
+                <a:extLst>
+                  <a:ext uri="{FF2B5EF4-FFF2-40B4-BE49-F238E27FC236}">
+                    <a16:creationId xmlns:a16="http://schemas.microsoft.com/office/drawing/2014/main" id="{BB16A2E8-36BF-805C-E9F8-A60C2EC33B30}"/>
+                  </a:ext>
+                </a:extLst>
+              </p:cNvPr>
+              <p:cNvSpPr txBox="1">
+                <a:spLocks noRot="1" noChangeAspect="1" noMove="1" noResize="1" noEditPoints="1" noAdjustHandles="1" noChangeArrowheads="1" noChangeShapeType="1" noTextEdit="1"/>
+              </p:cNvSpPr>
+              <p:nvPr/>
+            </p:nvSpPr>
+            <p:spPr>
+              <a:xfrm>
+                <a:off x="838200" y="4352595"/>
+                <a:ext cx="10013576" cy="1815882"/>
+              </a:xfrm>
+              <a:prstGeom prst="rect">
+                <a:avLst/>
+              </a:prstGeom>
+              <a:blipFill>
+                <a:blip r:embed="rId3"/>
+                <a:stretch>
+                  <a:fillRect l="-1267" t="-3472"/>
+                </a:stretch>
+              </a:blipFill>
+            </p:spPr>
+            <p:txBody>
+              <a:bodyPr/>
+              <a:lstStyle/>
+              <a:p>
+                <a:r>
+                  <a:rPr lang="en-US">
+                    <a:noFill/>
+                  </a:rPr>
+                  <a:t> </a:t>
+                </a:r>
+              </a:p>
+            </p:txBody>
+          </p:sp>
+        </mc:Fallback>
+      </mc:AlternateContent>
+      <p:pic>
+        <p:nvPicPr>
+          <p:cNvPr id="4" name="Picture 3">
+            <a:extLst>
+              <a:ext uri="{FF2B5EF4-FFF2-40B4-BE49-F238E27FC236}">
+                <a16:creationId xmlns:a16="http://schemas.microsoft.com/office/drawing/2014/main" id="{40451D0B-187A-81C9-23D1-8870DB2E1998}"/>
+              </a:ext>
+            </a:extLst>
+          </p:cNvPr>
+          <p:cNvPicPr>
+            <a:picLocks noChangeAspect="1"/>
+          </p:cNvPicPr>
+          <p:nvPr/>
+        </p:nvPicPr>
+        <p:blipFill>
+          <a:blip r:embed="rId4"/>
+          <a:stretch>
+            <a:fillRect/>
+          </a:stretch>
+        </p:blipFill>
+        <p:spPr>
+          <a:xfrm>
+            <a:off x="3628838" y="2800350"/>
+            <a:ext cx="4432300" cy="1257300"/>
+          </a:xfrm>
+          <a:prstGeom prst="rect">
+            <a:avLst/>
+          </a:prstGeom>
+        </p:spPr>
+      </p:pic>
+    </p:spTree>
+    <p:extLst>
+      <p:ext uri="{BB962C8B-B14F-4D97-AF65-F5344CB8AC3E}">
+        <p14:creationId xmlns:p14="http://schemas.microsoft.com/office/powerpoint/2010/main" val="2767578492"/>
+      </p:ext>
+    </p:extLst>
+  </p:cSld>
+  <p:clrMapOvr>
+    <a:masterClrMapping/>
+  </p:clrMapOvr>
+</p:sld>
+</file>
+
+<file path=ppt/slides/slide24.xml><?xml version="1.0" encoding="utf-8"?>
+<p:sld xmlns:a="http://schemas.openxmlformats.org/drawingml/2006/main" xmlns:r="http://schemas.openxmlformats.org/officeDocument/2006/relationships" xmlns:p="http://schemas.openxmlformats.org/presentationml/2006/main">
+  <p:cSld>
+    <p:spTree>
+      <p:nvGrpSpPr>
+        <p:cNvPr id="1" name=""/>
+        <p:cNvGrpSpPr/>
+        <p:nvPr/>
+      </p:nvGrpSpPr>
+      <p:grpSpPr>
+        <a:xfrm>
+          <a:off x="0" y="0"/>
+          <a:ext cx="0" cy="0"/>
+          <a:chOff x="0" y="0"/>
+          <a:chExt cx="0" cy="0"/>
+        </a:xfrm>
+      </p:grpSpPr>
+      <p:sp>
+        <p:nvSpPr>
+          <p:cNvPr id="2" name="Title 1"/>
+          <p:cNvSpPr>
+            <a:spLocks noGrp="1"/>
+          </p:cNvSpPr>
+          <p:nvPr>
+            <p:ph type="title"/>
+          </p:nvPr>
+        </p:nvSpPr>
+        <p:spPr>
+          <a:xfrm>
+            <a:off x="838200" y="365126"/>
+            <a:ext cx="10515600" cy="981894"/>
+          </a:xfrm>
+        </p:spPr>
+        <p:txBody>
+          <a:bodyPr>
+            <a:normAutofit/>
+          </a:bodyPr>
+          <a:lstStyle/>
+          <a:p>
+            <a:r>
+              <a:rPr lang="en-US" dirty="0"/>
+              <a:t>Proportional Hazards Model</a:t>
+            </a:r>
+          </a:p>
+        </p:txBody>
+      </p:sp>
+      <mc:AlternateContent xmlns:mc="http://schemas.openxmlformats.org/markup-compatibility/2006">
+        <mc:Choice xmlns:a14="http://schemas.microsoft.com/office/drawing/2010/main" Requires="a14">
+          <p:sp>
+            <p:nvSpPr>
+              <p:cNvPr id="3" name="TextBox 2">
+                <a:extLst>
+                  <a:ext uri="{FF2B5EF4-FFF2-40B4-BE49-F238E27FC236}">
+                    <a16:creationId xmlns:a16="http://schemas.microsoft.com/office/drawing/2014/main" id="{E46D69CB-E12B-0F4C-EC3C-96EEA9C691DC}"/>
+                  </a:ext>
+                </a:extLst>
+              </p:cNvPr>
+              <p:cNvSpPr txBox="1"/>
+              <p:nvPr/>
+            </p:nvSpPr>
+            <p:spPr>
+              <a:xfrm>
+                <a:off x="838200" y="1712490"/>
+                <a:ext cx="10013576" cy="1384995"/>
+              </a:xfrm>
+              <a:prstGeom prst="rect">
+                <a:avLst/>
+              </a:prstGeom>
+              <a:noFill/>
+            </p:spPr>
+            <p:txBody>
+              <a:bodyPr wrap="square">
+                <a:spAutoFit/>
+              </a:bodyPr>
+              <a:lstStyle/>
+              <a:p>
+                <a:r>
+                  <a:rPr lang="en-US" altLang="zh-CN" sz="2800" dirty="0"/>
+                  <a:t>The name proportional hazards arises from the fact that the hazard function for an individual with feature vector </a:t>
+                </a:r>
+                <a14:m>
+                  <m:oMath xmlns:m="http://schemas.openxmlformats.org/officeDocument/2006/math">
+                    <m:sSub>
+                      <m:sSubPr>
+                        <m:ctrlPr>
+                          <a:rPr lang="en-US" altLang="zh-CN" sz="2800" b="0" i="1" smtClean="0">
+                            <a:latin typeface="Cambria Math" panose="02040503050406030204" pitchFamily="18" charset="0"/>
+                          </a:rPr>
+                        </m:ctrlPr>
+                      </m:sSubPr>
+                      <m:e>
+                        <m:r>
+                          <a:rPr lang="en-US" altLang="zh-CN" sz="2800" b="0" i="1" smtClean="0">
+                            <a:latin typeface="Cambria Math" panose="02040503050406030204" pitchFamily="18" charset="0"/>
+                          </a:rPr>
+                          <m:t>𝑥</m:t>
+                        </m:r>
+                      </m:e>
+                      <m:sub>
+                        <m:r>
+                          <a:rPr lang="en-US" altLang="zh-CN" sz="2800" b="0" i="1" smtClean="0">
+                            <a:latin typeface="Cambria Math" panose="02040503050406030204" pitchFamily="18" charset="0"/>
+                          </a:rPr>
+                          <m:t>𝑖</m:t>
+                        </m:r>
+                      </m:sub>
+                    </m:sSub>
+                  </m:oMath>
+                </a14:m>
+                <a:r>
+                  <a:rPr lang="en-US" altLang="zh-CN" sz="2800" dirty="0"/>
+                  <a:t> is some unknown function </a:t>
+                </a:r>
+                <a14:m>
+                  <m:oMath xmlns:m="http://schemas.openxmlformats.org/officeDocument/2006/math">
+                    <m:sSub>
+                      <m:sSubPr>
+                        <m:ctrlPr>
+                          <a:rPr lang="en-US" altLang="zh-CN" sz="2800" b="0" i="1" smtClean="0">
+                            <a:latin typeface="Cambria Math" panose="02040503050406030204" pitchFamily="18" charset="0"/>
+                          </a:rPr>
+                        </m:ctrlPr>
+                      </m:sSubPr>
+                      <m:e>
+                        <m:r>
+                          <a:rPr lang="en-US" altLang="zh-CN" sz="2800" b="0" i="1" smtClean="0">
+                            <a:latin typeface="Cambria Math" panose="02040503050406030204" pitchFamily="18" charset="0"/>
+                          </a:rPr>
+                          <m:t>h</m:t>
+                        </m:r>
+                      </m:e>
+                      <m:sub>
+                        <m:r>
+                          <a:rPr lang="en-US" altLang="zh-CN" sz="2800" b="0" i="1" smtClean="0">
+                            <a:latin typeface="Cambria Math" panose="02040503050406030204" pitchFamily="18" charset="0"/>
+                          </a:rPr>
+                          <m:t>0</m:t>
+                        </m:r>
+                      </m:sub>
+                    </m:sSub>
+                    <m:d>
+                      <m:dPr>
+                        <m:ctrlPr>
+                          <a:rPr lang="en-US" altLang="zh-CN" sz="2800" b="0" i="1" smtClean="0">
+                            <a:latin typeface="Cambria Math" panose="02040503050406030204" pitchFamily="18" charset="0"/>
+                          </a:rPr>
+                        </m:ctrlPr>
+                      </m:dPr>
+                      <m:e>
+                        <m:r>
+                          <a:rPr lang="en-US" altLang="zh-CN" sz="2800" b="0" i="1" smtClean="0">
+                            <a:latin typeface="Cambria Math" panose="02040503050406030204" pitchFamily="18" charset="0"/>
+                          </a:rPr>
+                          <m:t>𝑡</m:t>
+                        </m:r>
+                      </m:e>
+                    </m:d>
+                    <m:r>
+                      <a:rPr lang="en-US" altLang="zh-CN" sz="2800" b="0" i="1" smtClean="0">
+                        <a:latin typeface="Cambria Math" panose="02040503050406030204" pitchFamily="18" charset="0"/>
+                      </a:rPr>
+                      <m:t> </m:t>
+                    </m:r>
+                  </m:oMath>
+                </a14:m>
+                <a:r>
+                  <a:rPr lang="en-US" altLang="zh-CN" sz="2800" dirty="0"/>
+                  <a:t>times the factor.</a:t>
+                </a:r>
+              </a:p>
+            </p:txBody>
+          </p:sp>
+        </mc:Choice>
+        <mc:Fallback>
+          <p:sp>
+            <p:nvSpPr>
+              <p:cNvPr id="3" name="TextBox 2">
+                <a:extLst>
+                  <a:ext uri="{FF2B5EF4-FFF2-40B4-BE49-F238E27FC236}">
+                    <a16:creationId xmlns:a16="http://schemas.microsoft.com/office/drawing/2014/main" id="{E46D69CB-E12B-0F4C-EC3C-96EEA9C691DC}"/>
+                  </a:ext>
+                </a:extLst>
+              </p:cNvPr>
+              <p:cNvSpPr txBox="1">
+                <a:spLocks noRot="1" noChangeAspect="1" noMove="1" noResize="1" noEditPoints="1" noAdjustHandles="1" noChangeArrowheads="1" noChangeShapeType="1" noTextEdit="1"/>
+              </p:cNvSpPr>
+              <p:nvPr/>
+            </p:nvSpPr>
+            <p:spPr>
+              <a:xfrm>
+                <a:off x="838200" y="1712490"/>
+                <a:ext cx="10013576" cy="1384995"/>
+              </a:xfrm>
+              <a:prstGeom prst="rect">
+                <a:avLst/>
+              </a:prstGeom>
+              <a:blipFill>
+                <a:blip r:embed="rId3"/>
+                <a:stretch>
+                  <a:fillRect l="-1267" t="-4545" r="-634" b="-10909"/>
+                </a:stretch>
+              </a:blipFill>
+            </p:spPr>
+            <p:txBody>
+              <a:bodyPr/>
+              <a:lstStyle/>
+              <a:p>
+                <a:r>
+                  <a:rPr lang="en-US">
+                    <a:noFill/>
+                  </a:rPr>
+                  <a:t> </a:t>
+                </a:r>
+              </a:p>
+            </p:txBody>
+          </p:sp>
+        </mc:Fallback>
+      </mc:AlternateContent>
+      <mc:AlternateContent xmlns:mc="http://schemas.openxmlformats.org/markup-compatibility/2006">
+        <mc:Choice xmlns:a14="http://schemas.microsoft.com/office/drawing/2010/main" Requires="a14">
+          <p:sp>
+            <p:nvSpPr>
+              <p:cNvPr id="5" name="TextBox 4">
+                <a:extLst>
+                  <a:ext uri="{FF2B5EF4-FFF2-40B4-BE49-F238E27FC236}">
+                    <a16:creationId xmlns:a16="http://schemas.microsoft.com/office/drawing/2014/main" id="{7B7337D1-C253-6165-9476-D254A29AD5F3}"/>
+                  </a:ext>
+                </a:extLst>
+              </p:cNvPr>
+              <p:cNvSpPr txBox="1"/>
+              <p:nvPr/>
+            </p:nvSpPr>
+            <p:spPr>
+              <a:xfrm>
+                <a:off x="838200" y="4029867"/>
+                <a:ext cx="10013576" cy="1849096"/>
+              </a:xfrm>
+              <a:prstGeom prst="rect">
+                <a:avLst/>
+              </a:prstGeom>
+              <a:noFill/>
+            </p:spPr>
+            <p:txBody>
+              <a:bodyPr wrap="square">
+                <a:spAutoFit/>
+              </a:bodyPr>
+              <a:lstStyle/>
+              <a:p>
+                <a:r>
+                  <a:rPr lang="en-US" altLang="zh-CN" sz="2800" dirty="0"/>
+                  <a:t>Because the form of the baseline hazard is unknown, we cannot simply plug </a:t>
+                </a:r>
+                <a14:m>
+                  <m:oMath xmlns:m="http://schemas.openxmlformats.org/officeDocument/2006/math">
+                    <m:r>
+                      <a:rPr lang="en-US" altLang="zh-CN" sz="2800" b="0" i="1" smtClean="0">
+                        <a:latin typeface="Cambria Math" panose="02040503050406030204" pitchFamily="18" charset="0"/>
+                      </a:rPr>
+                      <m:t>h</m:t>
+                    </m:r>
+                    <m:d>
+                      <m:dPr>
+                        <m:ctrlPr>
+                          <a:rPr lang="en-US" altLang="zh-CN" sz="2800" b="0" i="1" smtClean="0">
+                            <a:latin typeface="Cambria Math" panose="02040503050406030204" pitchFamily="18" charset="0"/>
+                          </a:rPr>
+                        </m:ctrlPr>
+                      </m:dPr>
+                      <m:e>
+                        <m:r>
+                          <a:rPr lang="en-US" altLang="zh-CN" sz="2800" b="0" i="1" smtClean="0">
+                            <a:latin typeface="Cambria Math" panose="02040503050406030204" pitchFamily="18" charset="0"/>
+                          </a:rPr>
+                          <m:t>𝑡</m:t>
+                        </m:r>
+                      </m:e>
+                      <m:e>
+                        <m:r>
+                          <a:rPr lang="en-US" altLang="zh-CN" sz="2800" b="0" i="1" smtClean="0">
+                            <a:latin typeface="Cambria Math" panose="02040503050406030204" pitchFamily="18" charset="0"/>
+                          </a:rPr>
+                          <m:t>𝑥</m:t>
+                        </m:r>
+                      </m:e>
+                    </m:d>
+                    <m:r>
+                      <a:rPr lang="en-US" altLang="zh-CN" sz="2800" b="0" i="1" smtClean="0">
+                        <a:latin typeface="Cambria Math" panose="02040503050406030204" pitchFamily="18" charset="0"/>
+                      </a:rPr>
+                      <m:t> </m:t>
+                    </m:r>
+                  </m:oMath>
+                </a14:m>
+                <a:r>
+                  <a:rPr lang="en-US" altLang="zh-CN" sz="2800" dirty="0"/>
+                  <a:t>into the likelihood and then estimate </a:t>
+                </a:r>
+                <a14:m>
+                  <m:oMath xmlns:m="http://schemas.openxmlformats.org/officeDocument/2006/math">
+                    <m:sSub>
+                      <m:sSubPr>
+                        <m:ctrlPr>
+                          <a:rPr lang="en-US" altLang="zh-CN" sz="2800" b="0" i="1" smtClean="0">
+                            <a:latin typeface="Cambria Math" panose="02040503050406030204" pitchFamily="18" charset="0"/>
+                          </a:rPr>
+                        </m:ctrlPr>
+                      </m:sSubPr>
+                      <m:e>
+                        <m:r>
+                          <a:rPr lang="en-US" altLang="zh-CN" sz="2800" b="0" i="1" smtClean="0">
+                            <a:latin typeface="Cambria Math" panose="02040503050406030204" pitchFamily="18" charset="0"/>
+                          </a:rPr>
+                          <m:t>𝛽</m:t>
+                        </m:r>
+                      </m:e>
+                      <m:sub>
+                        <m:r>
+                          <a:rPr lang="en-US" altLang="zh-CN" sz="2800" b="0" i="1" smtClean="0">
+                            <a:latin typeface="Cambria Math" panose="02040503050406030204" pitchFamily="18" charset="0"/>
+                          </a:rPr>
+                          <m:t>1</m:t>
+                        </m:r>
+                      </m:sub>
+                    </m:sSub>
+                    <m:r>
+                      <a:rPr lang="en-US" altLang="zh-CN" sz="2800" b="0" i="1" smtClean="0">
+                        <a:latin typeface="Cambria Math" panose="02040503050406030204" pitchFamily="18" charset="0"/>
+                      </a:rPr>
+                      <m:t>, </m:t>
+                    </m:r>
+                    <m:sSub>
+                      <m:sSubPr>
+                        <m:ctrlPr>
+                          <a:rPr lang="en-US" altLang="zh-CN" sz="2800" b="0" i="1" smtClean="0">
+                            <a:latin typeface="Cambria Math" panose="02040503050406030204" pitchFamily="18" charset="0"/>
+                          </a:rPr>
+                        </m:ctrlPr>
+                      </m:sSubPr>
+                      <m:e>
+                        <m:r>
+                          <a:rPr lang="en-US" altLang="zh-CN" sz="2800" b="0" i="1" smtClean="0">
+                            <a:latin typeface="Cambria Math" panose="02040503050406030204" pitchFamily="18" charset="0"/>
+                          </a:rPr>
+                          <m:t>𝛽</m:t>
+                        </m:r>
+                      </m:e>
+                      <m:sub>
+                        <m:r>
+                          <a:rPr lang="en-US" altLang="zh-CN" sz="2800" b="0" i="1" smtClean="0">
+                            <a:latin typeface="Cambria Math" panose="02040503050406030204" pitchFamily="18" charset="0"/>
+                          </a:rPr>
+                          <m:t>2</m:t>
+                        </m:r>
+                      </m:sub>
+                    </m:sSub>
+                    <m:r>
+                      <a:rPr lang="en-US" altLang="zh-CN" sz="2800" b="0" i="1" smtClean="0">
+                        <a:latin typeface="Cambria Math" panose="02040503050406030204" pitchFamily="18" charset="0"/>
+                      </a:rPr>
+                      <m:t>, …</m:t>
+                    </m:r>
+                    <m:sSub>
+                      <m:sSubPr>
+                        <m:ctrlPr>
+                          <a:rPr lang="en-US" altLang="zh-CN" sz="2800" b="0" i="1" smtClean="0">
+                            <a:latin typeface="Cambria Math" panose="02040503050406030204" pitchFamily="18" charset="0"/>
+                          </a:rPr>
+                        </m:ctrlPr>
+                      </m:sSubPr>
+                      <m:e>
+                        <m:r>
+                          <a:rPr lang="en-US" altLang="zh-CN" sz="2800" b="0" i="1" smtClean="0">
+                            <a:latin typeface="Cambria Math" panose="02040503050406030204" pitchFamily="18" charset="0"/>
+                          </a:rPr>
+                          <m:t>𝛽</m:t>
+                        </m:r>
+                      </m:e>
+                      <m:sub>
+                        <m:r>
+                          <a:rPr lang="en-US" altLang="zh-CN" sz="2800" b="0" i="1" smtClean="0">
+                            <a:latin typeface="Cambria Math" panose="02040503050406030204" pitchFamily="18" charset="0"/>
+                          </a:rPr>
+                          <m:t>𝑝</m:t>
+                        </m:r>
+                      </m:sub>
+                    </m:sSub>
+                    <m:r>
+                      <a:rPr lang="en-US" altLang="zh-CN" sz="2800" b="0" i="1" smtClean="0">
+                        <a:latin typeface="Cambria Math" panose="02040503050406030204" pitchFamily="18" charset="0"/>
+                      </a:rPr>
+                      <m:t> </m:t>
+                    </m:r>
+                  </m:oMath>
+                </a14:m>
+                <a:r>
+                  <a:rPr lang="en-US" altLang="zh-CN" sz="2800" dirty="0"/>
+                  <a:t>by maximum likelihood.</a:t>
+                </a:r>
+              </a:p>
+              <a:p>
+                <a:endParaRPr lang="en-US" altLang="zh-CN" sz="2800" dirty="0"/>
+              </a:p>
+            </p:txBody>
+          </p:sp>
+        </mc:Choice>
+        <mc:Fallback>
+          <p:sp>
+            <p:nvSpPr>
+              <p:cNvPr id="5" name="TextBox 4">
+                <a:extLst>
+                  <a:ext uri="{FF2B5EF4-FFF2-40B4-BE49-F238E27FC236}">
+                    <a16:creationId xmlns:a16="http://schemas.microsoft.com/office/drawing/2014/main" id="{7B7337D1-C253-6165-9476-D254A29AD5F3}"/>
+                  </a:ext>
+                </a:extLst>
+              </p:cNvPr>
+              <p:cNvSpPr txBox="1">
+                <a:spLocks noRot="1" noChangeAspect="1" noMove="1" noResize="1" noEditPoints="1" noAdjustHandles="1" noChangeArrowheads="1" noChangeShapeType="1" noTextEdit="1"/>
+              </p:cNvSpPr>
+              <p:nvPr/>
+            </p:nvSpPr>
+            <p:spPr>
+              <a:xfrm>
+                <a:off x="838200" y="4029867"/>
+                <a:ext cx="10013576" cy="1849096"/>
+              </a:xfrm>
+              <a:prstGeom prst="rect">
+                <a:avLst/>
+              </a:prstGeom>
+              <a:blipFill>
+                <a:blip r:embed="rId4"/>
+                <a:stretch>
+                  <a:fillRect l="-1267" t="-3425"/>
+                </a:stretch>
+              </a:blipFill>
+            </p:spPr>
+            <p:txBody>
+              <a:bodyPr/>
+              <a:lstStyle/>
+              <a:p>
+                <a:r>
+                  <a:rPr lang="en-US">
+                    <a:noFill/>
+                  </a:rPr>
+                  <a:t> </a:t>
+                </a:r>
+              </a:p>
+            </p:txBody>
+          </p:sp>
+        </mc:Fallback>
+      </mc:AlternateContent>
+    </p:spTree>
+    <p:extLst>
+      <p:ext uri="{BB962C8B-B14F-4D97-AF65-F5344CB8AC3E}">
+        <p14:creationId xmlns:p14="http://schemas.microsoft.com/office/powerpoint/2010/main" val="3318049071"/>
+      </p:ext>
+    </p:extLst>
+  </p:cSld>
+  <p:clrMapOvr>
+    <a:masterClrMapping/>
+  </p:clrMapOvr>
+</p:sld>
+</file>
+
+<file path=ppt/slides/slide25.xml><?xml version="1.0" encoding="utf-8"?>
+<p:sld xmlns:a="http://schemas.openxmlformats.org/drawingml/2006/main" xmlns:r="http://schemas.openxmlformats.org/officeDocument/2006/relationships" xmlns:p="http://schemas.openxmlformats.org/presentationml/2006/main">
+  <p:cSld>
+    <p:spTree>
+      <p:nvGrpSpPr>
+        <p:cNvPr id="1" name=""/>
+        <p:cNvGrpSpPr/>
+        <p:nvPr/>
+      </p:nvGrpSpPr>
+      <p:grpSpPr>
+        <a:xfrm>
+          <a:off x="0" y="0"/>
+          <a:ext cx="0" cy="0"/>
+          <a:chOff x="0" y="0"/>
+          <a:chExt cx="0" cy="0"/>
+        </a:xfrm>
+      </p:grpSpPr>
+      <p:sp>
+        <p:nvSpPr>
+          <p:cNvPr id="2" name="Title 1"/>
+          <p:cNvSpPr>
+            <a:spLocks noGrp="1"/>
+          </p:cNvSpPr>
+          <p:nvPr>
+            <p:ph type="title"/>
+          </p:nvPr>
+        </p:nvSpPr>
+        <p:spPr>
+          <a:xfrm>
+            <a:off x="838200" y="365126"/>
+            <a:ext cx="10515600" cy="981894"/>
+          </a:xfrm>
+        </p:spPr>
+        <p:txBody>
+          <a:bodyPr>
+            <a:normAutofit/>
+          </a:bodyPr>
+          <a:lstStyle/>
+          <a:p>
+            <a:r>
+              <a:rPr lang="en-US" dirty="0"/>
+              <a:t>Proportional Hazards Model</a:t>
+            </a:r>
+          </a:p>
+        </p:txBody>
+      </p:sp>
+      <mc:AlternateContent xmlns:mc="http://schemas.openxmlformats.org/markup-compatibility/2006">
+        <mc:Choice xmlns:a14="http://schemas.microsoft.com/office/drawing/2010/main" Requires="a14">
+          <p:sp>
+            <p:nvSpPr>
+              <p:cNvPr id="3" name="TextBox 2">
+                <a:extLst>
+                  <a:ext uri="{FF2B5EF4-FFF2-40B4-BE49-F238E27FC236}">
+                    <a16:creationId xmlns:a16="http://schemas.microsoft.com/office/drawing/2014/main" id="{E46D69CB-E12B-0F4C-EC3C-96EEA9C691DC}"/>
+                  </a:ext>
+                </a:extLst>
+              </p:cNvPr>
+              <p:cNvSpPr txBox="1"/>
+              <p:nvPr/>
+            </p:nvSpPr>
+            <p:spPr>
+              <a:xfrm>
+                <a:off x="838200" y="1664331"/>
+                <a:ext cx="10416988" cy="954107"/>
+              </a:xfrm>
+              <a:prstGeom prst="rect">
+                <a:avLst/>
+              </a:prstGeom>
+              <a:noFill/>
+            </p:spPr>
+            <p:txBody>
+              <a:bodyPr wrap="square">
+                <a:spAutoFit/>
+              </a:bodyPr>
+              <a:lstStyle/>
+              <a:p>
+                <a:r>
+                  <a:rPr lang="en-US" altLang="zh-CN" sz="2800" dirty="0"/>
+                  <a:t>Therefore, the probability that the </a:t>
+                </a:r>
+                <a:r>
+                  <a:rPr lang="en-US" altLang="zh-CN" sz="2800" dirty="0" err="1"/>
+                  <a:t>ith</a:t>
+                </a:r>
+                <a:r>
+                  <a:rPr lang="en-US" altLang="zh-CN" sz="2800" dirty="0"/>
+                  <a:t> observation is the one to fail at time </a:t>
+                </a:r>
+                <a14:m>
+                  <m:oMath xmlns:m="http://schemas.openxmlformats.org/officeDocument/2006/math">
+                    <m:sSub>
+                      <m:sSubPr>
+                        <m:ctrlPr>
+                          <a:rPr lang="en-US" altLang="zh-CN" sz="2800" b="0" i="1" smtClean="0">
+                            <a:latin typeface="Cambria Math" panose="02040503050406030204" pitchFamily="18" charset="0"/>
+                          </a:rPr>
+                        </m:ctrlPr>
+                      </m:sSubPr>
+                      <m:e>
+                        <m:r>
+                          <a:rPr lang="en-US" altLang="zh-CN" sz="2800" b="0" i="1" smtClean="0">
+                            <a:latin typeface="Cambria Math" panose="02040503050406030204" pitchFamily="18" charset="0"/>
+                          </a:rPr>
+                          <m:t>𝑦</m:t>
+                        </m:r>
+                      </m:e>
+                      <m:sub>
+                        <m:r>
+                          <a:rPr lang="en-US" altLang="zh-CN" sz="2800" b="0" i="1" smtClean="0">
+                            <a:latin typeface="Cambria Math" panose="02040503050406030204" pitchFamily="18" charset="0"/>
+                          </a:rPr>
+                          <m:t>𝑖</m:t>
+                        </m:r>
+                      </m:sub>
+                    </m:sSub>
+                  </m:oMath>
+                </a14:m>
+                <a:r>
+                  <a:rPr lang="en-US" altLang="zh-CN" sz="2800" dirty="0"/>
+                  <a:t> (as opposed to one of the other observations in the risk set) is</a:t>
+                </a:r>
+              </a:p>
+            </p:txBody>
+          </p:sp>
+        </mc:Choice>
+        <mc:Fallback>
+          <p:sp>
+            <p:nvSpPr>
+              <p:cNvPr id="3" name="TextBox 2">
+                <a:extLst>
+                  <a:ext uri="{FF2B5EF4-FFF2-40B4-BE49-F238E27FC236}">
+                    <a16:creationId xmlns:a16="http://schemas.microsoft.com/office/drawing/2014/main" id="{E46D69CB-E12B-0F4C-EC3C-96EEA9C691DC}"/>
+                  </a:ext>
+                </a:extLst>
+              </p:cNvPr>
+              <p:cNvSpPr txBox="1">
+                <a:spLocks noRot="1" noChangeAspect="1" noMove="1" noResize="1" noEditPoints="1" noAdjustHandles="1" noChangeArrowheads="1" noChangeShapeType="1" noTextEdit="1"/>
+              </p:cNvSpPr>
+              <p:nvPr/>
+            </p:nvSpPr>
+            <p:spPr>
+              <a:xfrm>
+                <a:off x="838200" y="1664331"/>
+                <a:ext cx="10416988" cy="954107"/>
+              </a:xfrm>
+              <a:prstGeom prst="rect">
+                <a:avLst/>
+              </a:prstGeom>
+              <a:blipFill>
+                <a:blip r:embed="rId3"/>
+                <a:stretch>
+                  <a:fillRect l="-1218" t="-7895" b="-15789"/>
+                </a:stretch>
+              </a:blipFill>
+            </p:spPr>
+            <p:txBody>
+              <a:bodyPr/>
+              <a:lstStyle/>
+              <a:p>
+                <a:r>
+                  <a:rPr lang="en-US">
+                    <a:noFill/>
+                  </a:rPr>
+                  <a:t> </a:t>
+                </a:r>
+              </a:p>
+            </p:txBody>
+          </p:sp>
+        </mc:Fallback>
+      </mc:AlternateContent>
+      <p:pic>
+        <p:nvPicPr>
+          <p:cNvPr id="4" name="Picture 3">
+            <a:extLst>
+              <a:ext uri="{FF2B5EF4-FFF2-40B4-BE49-F238E27FC236}">
+                <a16:creationId xmlns:a16="http://schemas.microsoft.com/office/drawing/2014/main" id="{03736E92-3293-C9EB-FCBA-DDA7A394A8A1}"/>
+              </a:ext>
+            </a:extLst>
+          </p:cNvPr>
+          <p:cNvPicPr>
+            <a:picLocks noChangeAspect="1"/>
+          </p:cNvPicPr>
+          <p:nvPr/>
+        </p:nvPicPr>
+        <p:blipFill>
+          <a:blip r:embed="rId4"/>
+          <a:stretch>
+            <a:fillRect/>
+          </a:stretch>
+        </p:blipFill>
+        <p:spPr>
+          <a:xfrm>
+            <a:off x="1474694" y="3570440"/>
+            <a:ext cx="8543365" cy="1338246"/>
+          </a:xfrm>
+          <a:prstGeom prst="rect">
+            <a:avLst/>
+          </a:prstGeom>
+        </p:spPr>
+      </p:pic>
+    </p:spTree>
+    <p:extLst>
+      <p:ext uri="{BB962C8B-B14F-4D97-AF65-F5344CB8AC3E}">
+        <p14:creationId xmlns:p14="http://schemas.microsoft.com/office/powerpoint/2010/main" val="3570933071"/>
+      </p:ext>
+    </p:extLst>
+  </p:cSld>
+  <p:clrMapOvr>
+    <a:masterClrMapping/>
+  </p:clrMapOvr>
+</p:sld>
+</file>
+
+<file path=ppt/slides/slide26.xml><?xml version="1.0" encoding="utf-8"?>
+<p:sld xmlns:a="http://schemas.openxmlformats.org/drawingml/2006/main" xmlns:r="http://schemas.openxmlformats.org/officeDocument/2006/relationships" xmlns:p="http://schemas.openxmlformats.org/presentationml/2006/main">
+  <p:cSld>
+    <p:spTree>
+      <p:nvGrpSpPr>
+        <p:cNvPr id="1" name=""/>
+        <p:cNvGrpSpPr/>
+        <p:nvPr/>
+      </p:nvGrpSpPr>
+      <p:grpSpPr>
+        <a:xfrm>
+          <a:off x="0" y="0"/>
+          <a:ext cx="0" cy="0"/>
+          <a:chOff x="0" y="0"/>
+          <a:chExt cx="0" cy="0"/>
+        </a:xfrm>
+      </p:grpSpPr>
+      <p:sp>
+        <p:nvSpPr>
+          <p:cNvPr id="2" name="Title 1"/>
+          <p:cNvSpPr>
+            <a:spLocks noGrp="1"/>
+          </p:cNvSpPr>
+          <p:nvPr>
+            <p:ph type="title"/>
+          </p:nvPr>
+        </p:nvSpPr>
+        <p:spPr>
+          <a:xfrm>
+            <a:off x="838200" y="365126"/>
+            <a:ext cx="10515600" cy="981894"/>
+          </a:xfrm>
+        </p:spPr>
+        <p:txBody>
+          <a:bodyPr>
+            <a:normAutofit/>
+          </a:bodyPr>
+          <a:lstStyle/>
+          <a:p>
+            <a:r>
+              <a:rPr lang="en-US" dirty="0"/>
+              <a:t>Relative Risk Functions at each Failure Time</a:t>
+            </a:r>
+          </a:p>
+        </p:txBody>
+      </p:sp>
+      <p:pic>
+        <p:nvPicPr>
+          <p:cNvPr id="7" name="Picture 6">
+            <a:extLst>
+              <a:ext uri="{FF2B5EF4-FFF2-40B4-BE49-F238E27FC236}">
+                <a16:creationId xmlns:a16="http://schemas.microsoft.com/office/drawing/2014/main" id="{85B0750B-791F-CA7A-DB4F-076E13C394C7}"/>
+              </a:ext>
+            </a:extLst>
+          </p:cNvPr>
+          <p:cNvPicPr>
+            <a:picLocks noChangeAspect="1"/>
+          </p:cNvPicPr>
+          <p:nvPr/>
+        </p:nvPicPr>
+        <p:blipFill>
+          <a:blip r:embed="rId3"/>
+          <a:stretch>
+            <a:fillRect/>
+          </a:stretch>
+        </p:blipFill>
+        <p:spPr>
+          <a:xfrm>
+            <a:off x="2442509" y="1732615"/>
+            <a:ext cx="6398422" cy="4453032"/>
+          </a:xfrm>
+          <a:prstGeom prst="rect">
+            <a:avLst/>
+          </a:prstGeom>
+        </p:spPr>
+      </p:pic>
+    </p:spTree>
+    <p:extLst>
+      <p:ext uri="{BB962C8B-B14F-4D97-AF65-F5344CB8AC3E}">
+        <p14:creationId xmlns:p14="http://schemas.microsoft.com/office/powerpoint/2010/main" val="2929119799"/>
+      </p:ext>
+    </p:extLst>
+  </p:cSld>
+  <p:clrMapOvr>
+    <a:masterClrMapping/>
+  </p:clrMapOvr>
+</p:sld>
+</file>
+
+<file path=ppt/slides/slide27.xml><?xml version="1.0" encoding="utf-8"?>
+<p:sld xmlns:a="http://schemas.openxmlformats.org/drawingml/2006/main" xmlns:r="http://schemas.openxmlformats.org/officeDocument/2006/relationships" xmlns:p="http://schemas.openxmlformats.org/presentationml/2006/main">
+  <p:cSld>
+    <p:spTree>
+      <p:nvGrpSpPr>
+        <p:cNvPr id="1" name=""/>
+        <p:cNvGrpSpPr/>
+        <p:nvPr/>
+      </p:nvGrpSpPr>
+      <p:grpSpPr>
+        <a:xfrm>
+          <a:off x="0" y="0"/>
+          <a:ext cx="0" cy="0"/>
+          <a:chOff x="0" y="0"/>
+          <a:chExt cx="0" cy="0"/>
+        </a:xfrm>
+      </p:grpSpPr>
+      <p:sp>
+        <p:nvSpPr>
+          <p:cNvPr id="2" name="Title 1"/>
+          <p:cNvSpPr>
+            <a:spLocks noGrp="1"/>
+          </p:cNvSpPr>
+          <p:nvPr>
+            <p:ph type="title"/>
+          </p:nvPr>
+        </p:nvSpPr>
+        <p:spPr>
+          <a:xfrm>
+            <a:off x="838200" y="365126"/>
+            <a:ext cx="10515600" cy="981894"/>
+          </a:xfrm>
+        </p:spPr>
+        <p:txBody>
+          <a:bodyPr>
+            <a:normAutofit/>
+          </a:bodyPr>
+          <a:lstStyle/>
+          <a:p>
+            <a:r>
+              <a:rPr lang="en-US" dirty="0"/>
+              <a:t>Partial Likelihood</a:t>
+            </a:r>
+          </a:p>
+        </p:txBody>
+      </p:sp>
+      <mc:AlternateContent xmlns:mc="http://schemas.openxmlformats.org/markup-compatibility/2006">
+        <mc:Choice xmlns:a14="http://schemas.microsoft.com/office/drawing/2010/main" Requires="a14">
+          <p:sp>
+            <p:nvSpPr>
+              <p:cNvPr id="3" name="TextBox 2">
+                <a:extLst>
+                  <a:ext uri="{FF2B5EF4-FFF2-40B4-BE49-F238E27FC236}">
+                    <a16:creationId xmlns:a16="http://schemas.microsoft.com/office/drawing/2014/main" id="{3CA8831E-F1DD-ECAB-02A8-BEB9F60D71E7}"/>
+                  </a:ext>
+                </a:extLst>
+              </p:cNvPr>
+              <p:cNvSpPr txBox="1"/>
+              <p:nvPr/>
+            </p:nvSpPr>
+            <p:spPr>
+              <a:xfrm>
+                <a:off x="838200" y="1664331"/>
+                <a:ext cx="10416988" cy="1815882"/>
+              </a:xfrm>
+              <a:prstGeom prst="rect">
+                <a:avLst/>
+              </a:prstGeom>
+              <a:noFill/>
+            </p:spPr>
+            <p:txBody>
+              <a:bodyPr wrap="square">
+                <a:spAutoFit/>
+              </a:bodyPr>
+              <a:lstStyle/>
+              <a:p>
+                <a:r>
+                  <a:rPr lang="en-US" altLang="zh-CN" sz="2800" dirty="0"/>
+                  <a:t>To estimate </a:t>
+                </a:r>
+                <a14:m>
+                  <m:oMath xmlns:m="http://schemas.openxmlformats.org/officeDocument/2006/math">
+                    <m:r>
+                      <a:rPr lang="en-US" altLang="zh-CN" sz="2800" b="0" i="1" smtClean="0">
+                        <a:latin typeface="Cambria Math" panose="02040503050406030204" pitchFamily="18" charset="0"/>
+                      </a:rPr>
+                      <m:t>𝛽</m:t>
+                    </m:r>
+                  </m:oMath>
+                </a14:m>
+                <a:r>
+                  <a:rPr lang="en-US" altLang="zh-CN" sz="2800" dirty="0"/>
+                  <a:t>, we simply maximize the partial likelihood with respect to</a:t>
+                </a:r>
+                <a:r>
+                  <a:rPr lang="en-US" altLang="zh-CN" sz="2800" b="0" dirty="0"/>
+                  <a:t> </a:t>
+                </a:r>
+                <a14:m>
+                  <m:oMath xmlns:m="http://schemas.openxmlformats.org/officeDocument/2006/math">
+                    <m:r>
+                      <a:rPr lang="en-US" altLang="zh-CN" sz="2800" b="0" i="1" smtClean="0">
+                        <a:latin typeface="Cambria Math" panose="02040503050406030204" pitchFamily="18" charset="0"/>
+                      </a:rPr>
+                      <m:t>𝛽</m:t>
+                    </m:r>
+                  </m:oMath>
+                </a14:m>
+                <a:r>
+                  <a:rPr lang="en-US" altLang="zh-CN" sz="2800" dirty="0"/>
+                  <a:t>. As is the case for logistic regression, no closed-form solution is available, and so iterative algorithms are required.</a:t>
+                </a:r>
+              </a:p>
+              <a:p>
+                <a:endParaRPr lang="en-US" altLang="zh-CN" sz="2800" dirty="0"/>
+              </a:p>
+            </p:txBody>
+          </p:sp>
+        </mc:Choice>
+        <mc:Fallback>
+          <p:sp>
+            <p:nvSpPr>
+              <p:cNvPr id="3" name="TextBox 2">
+                <a:extLst>
+                  <a:ext uri="{FF2B5EF4-FFF2-40B4-BE49-F238E27FC236}">
+                    <a16:creationId xmlns:a16="http://schemas.microsoft.com/office/drawing/2014/main" id="{3CA8831E-F1DD-ECAB-02A8-BEB9F60D71E7}"/>
+                  </a:ext>
+                </a:extLst>
+              </p:cNvPr>
+              <p:cNvSpPr txBox="1">
+                <a:spLocks noRot="1" noChangeAspect="1" noMove="1" noResize="1" noEditPoints="1" noAdjustHandles="1" noChangeArrowheads="1" noChangeShapeType="1" noTextEdit="1"/>
+              </p:cNvSpPr>
+              <p:nvPr/>
+            </p:nvSpPr>
+            <p:spPr>
+              <a:xfrm>
+                <a:off x="838200" y="1664331"/>
+                <a:ext cx="10416988" cy="1815882"/>
+              </a:xfrm>
+              <a:prstGeom prst="rect">
+                <a:avLst/>
+              </a:prstGeom>
+              <a:blipFill>
+                <a:blip r:embed="rId3"/>
+                <a:stretch>
+                  <a:fillRect l="-1218" t="-4167"/>
+                </a:stretch>
+              </a:blipFill>
+            </p:spPr>
+            <p:txBody>
+              <a:bodyPr/>
+              <a:lstStyle/>
+              <a:p>
+                <a:r>
+                  <a:rPr lang="en-US">
+                    <a:noFill/>
+                  </a:rPr>
+                  <a:t> </a:t>
+                </a:r>
+              </a:p>
+            </p:txBody>
+          </p:sp>
+        </mc:Fallback>
+      </mc:AlternateContent>
+      <mc:AlternateContent xmlns:mc="http://schemas.openxmlformats.org/markup-compatibility/2006">
+        <mc:Choice xmlns:a14="http://schemas.microsoft.com/office/drawing/2010/main" Requires="a14">
+          <p:sp>
+            <p:nvSpPr>
+              <p:cNvPr id="4" name="TextBox 3">
+                <a:extLst>
+                  <a:ext uri="{FF2B5EF4-FFF2-40B4-BE49-F238E27FC236}">
+                    <a16:creationId xmlns:a16="http://schemas.microsoft.com/office/drawing/2014/main" id="{88ACEAF0-73F7-B798-E7F9-3DB46AF5C53C}"/>
+                  </a:ext>
+                </a:extLst>
+              </p:cNvPr>
+              <p:cNvSpPr txBox="1"/>
+              <p:nvPr/>
+            </p:nvSpPr>
+            <p:spPr>
+              <a:xfrm>
+                <a:off x="838200" y="3914472"/>
+                <a:ext cx="10416988" cy="2281458"/>
+              </a:xfrm>
+              <a:prstGeom prst="rect">
+                <a:avLst/>
+              </a:prstGeom>
+              <a:noFill/>
+            </p:spPr>
+            <p:txBody>
+              <a:bodyPr wrap="square">
+                <a:spAutoFit/>
+              </a:bodyPr>
+              <a:lstStyle/>
+              <a:p>
+                <a:r>
+                  <a:rPr lang="en-US" altLang="zh-CN" sz="2800" dirty="0"/>
+                  <a:t>For example, we can obtain p-values corresponding to particular null hypotheses (e.g., </a:t>
+                </a:r>
+                <a14:m>
+                  <m:oMath xmlns:m="http://schemas.openxmlformats.org/officeDocument/2006/math">
+                    <m:sSub>
+                      <m:sSubPr>
+                        <m:ctrlPr>
+                          <a:rPr lang="en-US" altLang="zh-CN" sz="2800" b="0" i="1" smtClean="0">
+                            <a:latin typeface="Cambria Math" panose="02040503050406030204" pitchFamily="18" charset="0"/>
+                          </a:rPr>
+                        </m:ctrlPr>
+                      </m:sSubPr>
+                      <m:e>
+                        <m:r>
+                          <a:rPr lang="en-US" altLang="zh-CN" sz="2800" b="0" i="1" smtClean="0">
+                            <a:latin typeface="Cambria Math" panose="02040503050406030204" pitchFamily="18" charset="0"/>
+                          </a:rPr>
+                          <m:t>𝐻</m:t>
+                        </m:r>
+                      </m:e>
+                      <m:sub>
+                        <m:r>
+                          <a:rPr lang="en-US" altLang="zh-CN" sz="2800" b="0" i="1" smtClean="0">
+                            <a:latin typeface="Cambria Math" panose="02040503050406030204" pitchFamily="18" charset="0"/>
+                          </a:rPr>
+                          <m:t>0</m:t>
+                        </m:r>
+                      </m:sub>
+                    </m:sSub>
+                    <m:r>
+                      <a:rPr lang="en-US" altLang="zh-CN" sz="2800" b="0" i="1" smtClean="0">
+                        <a:latin typeface="Cambria Math" panose="02040503050406030204" pitchFamily="18" charset="0"/>
+                      </a:rPr>
+                      <m:t>:</m:t>
+                    </m:r>
+                    <m:sSub>
+                      <m:sSubPr>
+                        <m:ctrlPr>
+                          <a:rPr lang="en-US" altLang="zh-CN" sz="2800" b="0" i="1" smtClean="0">
+                            <a:latin typeface="Cambria Math" panose="02040503050406030204" pitchFamily="18" charset="0"/>
+                          </a:rPr>
+                        </m:ctrlPr>
+                      </m:sSubPr>
+                      <m:e>
+                        <m:r>
+                          <a:rPr lang="en-US" altLang="zh-CN" sz="2800" b="0" i="1" smtClean="0">
+                            <a:latin typeface="Cambria Math" panose="02040503050406030204" pitchFamily="18" charset="0"/>
+                          </a:rPr>
+                          <m:t>𝛽</m:t>
+                        </m:r>
+                      </m:e>
+                      <m:sub>
+                        <m:r>
+                          <a:rPr lang="en-US" altLang="zh-CN" sz="2800" b="0" i="1" smtClean="0">
+                            <a:latin typeface="Cambria Math" panose="02040503050406030204" pitchFamily="18" charset="0"/>
+                          </a:rPr>
+                          <m:t>𝑗</m:t>
+                        </m:r>
+                      </m:sub>
+                    </m:sSub>
+                  </m:oMath>
+                </a14:m>
+                <a:r>
+                  <a:rPr lang="en-US" altLang="zh-CN" sz="2800" dirty="0"/>
+                  <a:t>), as well as estimated standard errors and confidence intervals associated with the coefficients.</a:t>
+                </a:r>
+              </a:p>
+              <a:p>
+                <a:endParaRPr lang="en-US" altLang="zh-CN" sz="2800" dirty="0"/>
+              </a:p>
+              <a:p>
+                <a:endParaRPr lang="en-US" altLang="zh-CN" sz="2800" dirty="0"/>
+              </a:p>
+            </p:txBody>
+          </p:sp>
+        </mc:Choice>
+        <mc:Fallback>
+          <p:sp>
+            <p:nvSpPr>
+              <p:cNvPr id="4" name="TextBox 3">
+                <a:extLst>
+                  <a:ext uri="{FF2B5EF4-FFF2-40B4-BE49-F238E27FC236}">
+                    <a16:creationId xmlns:a16="http://schemas.microsoft.com/office/drawing/2014/main" id="{88ACEAF0-73F7-B798-E7F9-3DB46AF5C53C}"/>
+                  </a:ext>
+                </a:extLst>
+              </p:cNvPr>
+              <p:cNvSpPr txBox="1">
+                <a:spLocks noRot="1" noChangeAspect="1" noMove="1" noResize="1" noEditPoints="1" noAdjustHandles="1" noChangeArrowheads="1" noChangeShapeType="1" noTextEdit="1"/>
+              </p:cNvSpPr>
+              <p:nvPr/>
+            </p:nvSpPr>
+            <p:spPr>
+              <a:xfrm>
+                <a:off x="838200" y="3914472"/>
+                <a:ext cx="10416988" cy="2281458"/>
+              </a:xfrm>
+              <a:prstGeom prst="rect">
+                <a:avLst/>
+              </a:prstGeom>
+              <a:blipFill>
+                <a:blip r:embed="rId4"/>
+                <a:stretch>
+                  <a:fillRect l="-1218" t="-3333"/>
+                </a:stretch>
+              </a:blipFill>
+            </p:spPr>
+            <p:txBody>
+              <a:bodyPr/>
+              <a:lstStyle/>
+              <a:p>
+                <a:r>
+                  <a:rPr lang="en-US">
+                    <a:noFill/>
+                  </a:rPr>
+                  <a:t> </a:t>
+                </a:r>
+              </a:p>
+            </p:txBody>
+          </p:sp>
+        </mc:Fallback>
+      </mc:AlternateContent>
+    </p:spTree>
+    <p:extLst>
+      <p:ext uri="{BB962C8B-B14F-4D97-AF65-F5344CB8AC3E}">
+        <p14:creationId xmlns:p14="http://schemas.microsoft.com/office/powerpoint/2010/main" val="3902796516"/>
       </p:ext>
     </p:extLst>
   </p:cSld>

--- a/_umkc-teaching/slides/Lecture14.pptx
+++ b/_umkc-teaching/slides/Lecture14.pptx
@@ -5,7 +5,7 @@
     <p:sldMasterId id="2147483660" r:id="rId1"/>
   </p:sldMasterIdLst>
   <p:notesMasterIdLst>
-    <p:notesMasterId r:id="rId29"/>
+    <p:notesMasterId r:id="rId28"/>
   </p:notesMasterIdLst>
   <p:sldIdLst>
     <p:sldId id="257" r:id="rId2"/>
@@ -19,22 +19,21 @@
     <p:sldId id="475" r:id="rId10"/>
     <p:sldId id="476" r:id="rId11"/>
     <p:sldId id="477" r:id="rId12"/>
-    <p:sldId id="478" r:id="rId13"/>
-    <p:sldId id="479" r:id="rId14"/>
-    <p:sldId id="480" r:id="rId15"/>
-    <p:sldId id="481" r:id="rId16"/>
-    <p:sldId id="482" r:id="rId17"/>
-    <p:sldId id="484" r:id="rId18"/>
-    <p:sldId id="485" r:id="rId19"/>
-    <p:sldId id="486" r:id="rId20"/>
-    <p:sldId id="487" r:id="rId21"/>
-    <p:sldId id="488" r:id="rId22"/>
-    <p:sldId id="489" r:id="rId23"/>
-    <p:sldId id="490" r:id="rId24"/>
-    <p:sldId id="491" r:id="rId25"/>
-    <p:sldId id="492" r:id="rId26"/>
-    <p:sldId id="493" r:id="rId27"/>
-    <p:sldId id="494" r:id="rId28"/>
+    <p:sldId id="479" r:id="rId13"/>
+    <p:sldId id="480" r:id="rId14"/>
+    <p:sldId id="481" r:id="rId15"/>
+    <p:sldId id="482" r:id="rId16"/>
+    <p:sldId id="484" r:id="rId17"/>
+    <p:sldId id="485" r:id="rId18"/>
+    <p:sldId id="486" r:id="rId19"/>
+    <p:sldId id="487" r:id="rId20"/>
+    <p:sldId id="488" r:id="rId21"/>
+    <p:sldId id="489" r:id="rId22"/>
+    <p:sldId id="490" r:id="rId23"/>
+    <p:sldId id="491" r:id="rId24"/>
+    <p:sldId id="492" r:id="rId25"/>
+    <p:sldId id="493" r:id="rId26"/>
+    <p:sldId id="494" r:id="rId27"/>
   </p:sldIdLst>
   <p:sldSz cx="12192000" cy="6858000"/>
   <p:notesSz cx="6858000" cy="9144000"/>
@@ -223,7 +222,7 @@
           <a:p>
             <a:fld id="{7AF9442D-9D7C-40D7-A5A3-649EA8C158D2}" type="datetimeFigureOut">
               <a:rPr lang="en-US" smtClean="0"/>
-              <a:t>11/12/23</a:t>
+              <a:t>11/14/23</a:t>
             </a:fld>
             <a:endParaRPr lang="en-US"/>
           </a:p>
@@ -747,7 +746,7 @@
     </p:spTree>
     <p:extLst>
       <p:ext uri="{BB962C8B-B14F-4D97-AF65-F5344CB8AC3E}">
-        <p14:creationId xmlns:p14="http://schemas.microsoft.com/office/powerpoint/2010/main" val="1273430490"/>
+        <p14:creationId xmlns:p14="http://schemas.microsoft.com/office/powerpoint/2010/main" val="2023880634"/>
       </p:ext>
     </p:extLst>
   </p:cSld>
@@ -836,7 +835,7 @@
     </p:spTree>
     <p:extLst>
       <p:ext uri="{BB962C8B-B14F-4D97-AF65-F5344CB8AC3E}">
-        <p14:creationId xmlns:p14="http://schemas.microsoft.com/office/powerpoint/2010/main" val="2023880634"/>
+        <p14:creationId xmlns:p14="http://schemas.microsoft.com/office/powerpoint/2010/main" val="3852655702"/>
       </p:ext>
     </p:extLst>
   </p:cSld>
@@ -925,7 +924,7 @@
     </p:spTree>
     <p:extLst>
       <p:ext uri="{BB962C8B-B14F-4D97-AF65-F5344CB8AC3E}">
-        <p14:creationId xmlns:p14="http://schemas.microsoft.com/office/powerpoint/2010/main" val="3852655702"/>
+        <p14:creationId xmlns:p14="http://schemas.microsoft.com/office/powerpoint/2010/main" val="1671465806"/>
       </p:ext>
     </p:extLst>
   </p:cSld>
@@ -1014,7 +1013,7 @@
     </p:spTree>
     <p:extLst>
       <p:ext uri="{BB962C8B-B14F-4D97-AF65-F5344CB8AC3E}">
-        <p14:creationId xmlns:p14="http://schemas.microsoft.com/office/powerpoint/2010/main" val="1671465806"/>
+        <p14:creationId xmlns:p14="http://schemas.microsoft.com/office/powerpoint/2010/main" val="4146956283"/>
       </p:ext>
     </p:extLst>
   </p:cSld>
@@ -1103,7 +1102,7 @@
     </p:spTree>
     <p:extLst>
       <p:ext uri="{BB962C8B-B14F-4D97-AF65-F5344CB8AC3E}">
-        <p14:creationId xmlns:p14="http://schemas.microsoft.com/office/powerpoint/2010/main" val="4146956283"/>
+        <p14:creationId xmlns:p14="http://schemas.microsoft.com/office/powerpoint/2010/main" val="666129994"/>
       </p:ext>
     </p:extLst>
   </p:cSld>
@@ -1192,7 +1191,7 @@
     </p:spTree>
     <p:extLst>
       <p:ext uri="{BB962C8B-B14F-4D97-AF65-F5344CB8AC3E}">
-        <p14:creationId xmlns:p14="http://schemas.microsoft.com/office/powerpoint/2010/main" val="666129994"/>
+        <p14:creationId xmlns:p14="http://schemas.microsoft.com/office/powerpoint/2010/main" val="3099400805"/>
       </p:ext>
     </p:extLst>
   </p:cSld>
@@ -1281,7 +1280,7 @@
     </p:spTree>
     <p:extLst>
       <p:ext uri="{BB962C8B-B14F-4D97-AF65-F5344CB8AC3E}">
-        <p14:creationId xmlns:p14="http://schemas.microsoft.com/office/powerpoint/2010/main" val="3099400805"/>
+        <p14:creationId xmlns:p14="http://schemas.microsoft.com/office/powerpoint/2010/main" val="1863006161"/>
       </p:ext>
     </p:extLst>
   </p:cSld>
@@ -1370,7 +1369,7 @@
     </p:spTree>
     <p:extLst>
       <p:ext uri="{BB962C8B-B14F-4D97-AF65-F5344CB8AC3E}">
-        <p14:creationId xmlns:p14="http://schemas.microsoft.com/office/powerpoint/2010/main" val="1863006161"/>
+        <p14:creationId xmlns:p14="http://schemas.microsoft.com/office/powerpoint/2010/main" val="2879687570"/>
       </p:ext>
     </p:extLst>
   </p:cSld>
@@ -1459,7 +1458,7 @@
     </p:spTree>
     <p:extLst>
       <p:ext uri="{BB962C8B-B14F-4D97-AF65-F5344CB8AC3E}">
-        <p14:creationId xmlns:p14="http://schemas.microsoft.com/office/powerpoint/2010/main" val="2879687570"/>
+        <p14:creationId xmlns:p14="http://schemas.microsoft.com/office/powerpoint/2010/main" val="2454016089"/>
       </p:ext>
     </p:extLst>
   </p:cSld>
@@ -1637,7 +1636,7 @@
     </p:spTree>
     <p:extLst>
       <p:ext uri="{BB962C8B-B14F-4D97-AF65-F5344CB8AC3E}">
-        <p14:creationId xmlns:p14="http://schemas.microsoft.com/office/powerpoint/2010/main" val="2454016089"/>
+        <p14:creationId xmlns:p14="http://schemas.microsoft.com/office/powerpoint/2010/main" val="2171358073"/>
       </p:ext>
     </p:extLst>
   </p:cSld>
@@ -1726,7 +1725,7 @@
     </p:spTree>
     <p:extLst>
       <p:ext uri="{BB962C8B-B14F-4D97-AF65-F5344CB8AC3E}">
-        <p14:creationId xmlns:p14="http://schemas.microsoft.com/office/powerpoint/2010/main" val="2171358073"/>
+        <p14:creationId xmlns:p14="http://schemas.microsoft.com/office/powerpoint/2010/main" val="295568738"/>
       </p:ext>
     </p:extLst>
   </p:cSld>
@@ -1815,7 +1814,7 @@
     </p:spTree>
     <p:extLst>
       <p:ext uri="{BB962C8B-B14F-4D97-AF65-F5344CB8AC3E}">
-        <p14:creationId xmlns:p14="http://schemas.microsoft.com/office/powerpoint/2010/main" val="295568738"/>
+        <p14:creationId xmlns:p14="http://schemas.microsoft.com/office/powerpoint/2010/main" val="1921000973"/>
       </p:ext>
     </p:extLst>
   </p:cSld>
@@ -1904,7 +1903,7 @@
     </p:spTree>
     <p:extLst>
       <p:ext uri="{BB962C8B-B14F-4D97-AF65-F5344CB8AC3E}">
-        <p14:creationId xmlns:p14="http://schemas.microsoft.com/office/powerpoint/2010/main" val="1921000973"/>
+        <p14:creationId xmlns:p14="http://schemas.microsoft.com/office/powerpoint/2010/main" val="2145883233"/>
       </p:ext>
     </p:extLst>
   </p:cSld>
@@ -1993,7 +1992,7 @@
     </p:spTree>
     <p:extLst>
       <p:ext uri="{BB962C8B-B14F-4D97-AF65-F5344CB8AC3E}">
-        <p14:creationId xmlns:p14="http://schemas.microsoft.com/office/powerpoint/2010/main" val="2145883233"/>
+        <p14:creationId xmlns:p14="http://schemas.microsoft.com/office/powerpoint/2010/main" val="3499562900"/>
       </p:ext>
     </p:extLst>
   </p:cSld>
@@ -2074,95 +2073,6 @@
             <a:fld id="{3F8BDF20-BE86-4883-8A23-4CE3D0058BEA}" type="slidenum">
               <a:rPr lang="en-US" smtClean="0"/>
               <a:t>26</a:t>
-            </a:fld>
-            <a:endParaRPr lang="en-US"/>
-          </a:p>
-        </p:txBody>
-      </p:sp>
-    </p:spTree>
-    <p:extLst>
-      <p:ext uri="{BB962C8B-B14F-4D97-AF65-F5344CB8AC3E}">
-        <p14:creationId xmlns:p14="http://schemas.microsoft.com/office/powerpoint/2010/main" val="3499562900"/>
-      </p:ext>
-    </p:extLst>
-  </p:cSld>
-  <p:clrMapOvr>
-    <a:masterClrMapping/>
-  </p:clrMapOvr>
-</p:notes>
-</file>
-
-<file path=ppt/notesSlides/notesSlide26.xml><?xml version="1.0" encoding="utf-8"?>
-<p:notes xmlns:a="http://schemas.openxmlformats.org/drawingml/2006/main" xmlns:r="http://schemas.openxmlformats.org/officeDocument/2006/relationships" xmlns:p="http://schemas.openxmlformats.org/presentationml/2006/main">
-  <p:cSld>
-    <p:spTree>
-      <p:nvGrpSpPr>
-        <p:cNvPr id="1" name=""/>
-        <p:cNvGrpSpPr/>
-        <p:nvPr/>
-      </p:nvGrpSpPr>
-      <p:grpSpPr>
-        <a:xfrm>
-          <a:off x="0" y="0"/>
-          <a:ext cx="0" cy="0"/>
-          <a:chOff x="0" y="0"/>
-          <a:chExt cx="0" cy="0"/>
-        </a:xfrm>
-      </p:grpSpPr>
-      <p:sp>
-        <p:nvSpPr>
-          <p:cNvPr id="2" name="Slide Image Placeholder 1"/>
-          <p:cNvSpPr>
-            <a:spLocks noGrp="1" noRot="1" noChangeAspect="1"/>
-          </p:cNvSpPr>
-          <p:nvPr>
-            <p:ph type="sldImg"/>
-          </p:nvPr>
-        </p:nvSpPr>
-        <p:spPr>
-          <a:xfrm>
-            <a:off x="685800" y="1143000"/>
-            <a:ext cx="5486400" cy="3086100"/>
-          </a:xfrm>
-        </p:spPr>
-      </p:sp>
-      <p:sp>
-        <p:nvSpPr>
-          <p:cNvPr id="3" name="Notes Placeholder 2"/>
-          <p:cNvSpPr>
-            <a:spLocks noGrp="1"/>
-          </p:cNvSpPr>
-          <p:nvPr>
-            <p:ph type="body" idx="1"/>
-          </p:nvPr>
-        </p:nvSpPr>
-        <p:spPr/>
-        <p:txBody>
-          <a:bodyPr/>
-          <a:lstStyle/>
-          <a:p>
-            <a:endParaRPr lang="en-US" dirty="0"/>
-          </a:p>
-        </p:txBody>
-      </p:sp>
-      <p:sp>
-        <p:nvSpPr>
-          <p:cNvPr id="4" name="Slide Number Placeholder 3"/>
-          <p:cNvSpPr>
-            <a:spLocks noGrp="1"/>
-          </p:cNvSpPr>
-          <p:nvPr>
-            <p:ph type="sldNum" sz="quarter" idx="5"/>
-          </p:nvPr>
-        </p:nvSpPr>
-        <p:spPr/>
-        <p:txBody>
-          <a:bodyPr/>
-          <a:lstStyle/>
-          <a:p>
-            <a:fld id="{3F8BDF20-BE86-4883-8A23-4CE3D0058BEA}" type="slidenum">
-              <a:rPr lang="en-US" smtClean="0"/>
-              <a:t>27</a:t>
             </a:fld>
             <a:endParaRPr lang="en-US"/>
           </a:p>
@@ -2935,7 +2845,7 @@
           <a:p>
             <a:fld id="{41748473-9145-41F0-ADB9-654A949CD218}" type="datetimeFigureOut">
               <a:rPr lang="en-US" smtClean="0"/>
-              <a:t>11/12/23</a:t>
+              <a:t>11/14/23</a:t>
             </a:fld>
             <a:endParaRPr lang="en-US"/>
           </a:p>
@@ -3105,7 +3015,7 @@
           <a:p>
             <a:fld id="{41748473-9145-41F0-ADB9-654A949CD218}" type="datetimeFigureOut">
               <a:rPr lang="en-US" smtClean="0"/>
-              <a:t>11/12/23</a:t>
+              <a:t>11/14/23</a:t>
             </a:fld>
             <a:endParaRPr lang="en-US"/>
           </a:p>
@@ -3285,7 +3195,7 @@
           <a:p>
             <a:fld id="{41748473-9145-41F0-ADB9-654A949CD218}" type="datetimeFigureOut">
               <a:rPr lang="en-US" smtClean="0"/>
-              <a:t>11/12/23</a:t>
+              <a:t>11/14/23</a:t>
             </a:fld>
             <a:endParaRPr lang="en-US"/>
           </a:p>
@@ -3455,7 +3365,7 @@
           <a:p>
             <a:fld id="{41748473-9145-41F0-ADB9-654A949CD218}" type="datetimeFigureOut">
               <a:rPr lang="en-US" smtClean="0"/>
-              <a:t>11/12/23</a:t>
+              <a:t>11/14/23</a:t>
             </a:fld>
             <a:endParaRPr lang="en-US"/>
           </a:p>
@@ -3701,7 +3611,7 @@
           <a:p>
             <a:fld id="{41748473-9145-41F0-ADB9-654A949CD218}" type="datetimeFigureOut">
               <a:rPr lang="en-US" smtClean="0"/>
-              <a:t>11/12/23</a:t>
+              <a:t>11/14/23</a:t>
             </a:fld>
             <a:endParaRPr lang="en-US"/>
           </a:p>
@@ -3933,7 +3843,7 @@
           <a:p>
             <a:fld id="{41748473-9145-41F0-ADB9-654A949CD218}" type="datetimeFigureOut">
               <a:rPr lang="en-US" smtClean="0"/>
-              <a:t>11/12/23</a:t>
+              <a:t>11/14/23</a:t>
             </a:fld>
             <a:endParaRPr lang="en-US"/>
           </a:p>
@@ -4300,7 +4210,7 @@
           <a:p>
             <a:fld id="{41748473-9145-41F0-ADB9-654A949CD218}" type="datetimeFigureOut">
               <a:rPr lang="en-US" smtClean="0"/>
-              <a:t>11/12/23</a:t>
+              <a:t>11/14/23</a:t>
             </a:fld>
             <a:endParaRPr lang="en-US"/>
           </a:p>
@@ -4418,7 +4328,7 @@
           <a:p>
             <a:fld id="{41748473-9145-41F0-ADB9-654A949CD218}" type="datetimeFigureOut">
               <a:rPr lang="en-US" smtClean="0"/>
-              <a:t>11/12/23</a:t>
+              <a:t>11/14/23</a:t>
             </a:fld>
             <a:endParaRPr lang="en-US"/>
           </a:p>
@@ -4513,7 +4423,7 @@
           <a:p>
             <a:fld id="{41748473-9145-41F0-ADB9-654A949CD218}" type="datetimeFigureOut">
               <a:rPr lang="en-US" smtClean="0"/>
-              <a:t>11/12/23</a:t>
+              <a:t>11/14/23</a:t>
             </a:fld>
             <a:endParaRPr lang="en-US"/>
           </a:p>
@@ -4790,7 +4700,7 @@
           <a:p>
             <a:fld id="{41748473-9145-41F0-ADB9-654A949CD218}" type="datetimeFigureOut">
               <a:rPr lang="en-US" smtClean="0"/>
-              <a:t>11/12/23</a:t>
+              <a:t>11/14/23</a:t>
             </a:fld>
             <a:endParaRPr lang="en-US"/>
           </a:p>
@@ -5047,7 +4957,7 @@
           <a:p>
             <a:fld id="{41748473-9145-41F0-ADB9-654A949CD218}" type="datetimeFigureOut">
               <a:rPr lang="en-US" smtClean="0"/>
-              <a:t>11/12/23</a:t>
+              <a:t>11/14/23</a:t>
             </a:fld>
             <a:endParaRPr lang="en-US"/>
           </a:p>
@@ -5260,7 +5170,7 @@
           <a:p>
             <a:fld id="{41748473-9145-41F0-ADB9-654A949CD218}" type="datetimeFigureOut">
               <a:rPr lang="en-US" smtClean="0"/>
-              <a:t>11/12/23</a:t>
+              <a:t>11/14/23</a:t>
             </a:fld>
             <a:endParaRPr lang="en-US"/>
           </a:p>
@@ -6292,7 +6202,7 @@
           <a:p>
             <a:r>
               <a:rPr lang="en-US" dirty="0"/>
-              <a:t>The Survival Curve</a:t>
+              <a:t>The Kaplan-Meier Estimate</a:t>
             </a:r>
           </a:p>
         </p:txBody>
@@ -6411,7 +6321,7 @@
     </p:spTree>
     <p:extLst>
       <p:ext uri="{BB962C8B-B14F-4D97-AF65-F5344CB8AC3E}">
-        <p14:creationId xmlns:p14="http://schemas.microsoft.com/office/powerpoint/2010/main" val="2018255189"/>
+        <p14:creationId xmlns:p14="http://schemas.microsoft.com/office/powerpoint/2010/main" val="2956617840"/>
       </p:ext>
     </p:extLst>
   </p:cSld>
@@ -6467,121 +6377,70 @@
           </a:p>
         </p:txBody>
       </p:sp>
-      <p:sp>
-        <p:nvSpPr>
-          <p:cNvPr id="3" name="TextBox 2">
+      <p:pic>
+        <p:nvPicPr>
+          <p:cNvPr id="4" name="Picture 3">
             <a:extLst>
               <a:ext uri="{FF2B5EF4-FFF2-40B4-BE49-F238E27FC236}">
-                <a16:creationId xmlns:a16="http://schemas.microsoft.com/office/drawing/2014/main" id="{99B68E4E-3E4E-DA48-F1A2-0B899E895ECA}"/>
+                <a16:creationId xmlns:a16="http://schemas.microsoft.com/office/drawing/2014/main" id="{4CF1F3EC-F55E-02B7-159A-58D16983E3C1}"/>
               </a:ext>
             </a:extLst>
           </p:cNvPr>
-          <p:cNvSpPr txBox="1"/>
+          <p:cNvPicPr>
+            <a:picLocks noChangeAspect="1"/>
+          </p:cNvPicPr>
           <p:nvPr/>
-        </p:nvSpPr>
-        <p:spPr>
-          <a:xfrm>
-            <a:off x="838200" y="1832541"/>
-            <a:ext cx="9727558" cy="523220"/>
+        </p:nvPicPr>
+        <p:blipFill>
+          <a:blip r:embed="rId3"/>
+          <a:stretch>
+            <a:fillRect/>
+          </a:stretch>
+        </p:blipFill>
+        <p:spPr>
+          <a:xfrm>
+            <a:off x="1076138" y="3162414"/>
+            <a:ext cx="3347944" cy="1089500"/>
           </a:xfrm>
           <a:prstGeom prst="rect">
             <a:avLst/>
           </a:prstGeom>
-          <a:noFill/>
-        </p:spPr>
-        <p:txBody>
-          <a:bodyPr wrap="square">
-            <a:spAutoFit/>
-          </a:bodyPr>
-          <a:lstStyle/>
-          <a:p>
-            <a:r>
-              <a:rPr lang="en-US" altLang="zh-CN" sz="2800" dirty="0"/>
-              <a:t>But is it a right estimation? </a:t>
-            </a:r>
-          </a:p>
-        </p:txBody>
-      </p:sp>
-      <p:sp>
-        <p:nvSpPr>
-          <p:cNvPr id="5" name="TextBox 4">
+        </p:spPr>
+      </p:pic>
+      <p:pic>
+        <p:nvPicPr>
+          <p:cNvPr id="7" name="Picture 6">
             <a:extLst>
               <a:ext uri="{FF2B5EF4-FFF2-40B4-BE49-F238E27FC236}">
-                <a16:creationId xmlns:a16="http://schemas.microsoft.com/office/drawing/2014/main" id="{D0677DFC-E349-B25F-78E0-672B60CA233F}"/>
+                <a16:creationId xmlns:a16="http://schemas.microsoft.com/office/drawing/2014/main" id="{59BA3935-7DA8-5687-B3B3-F718E2426B16}"/>
               </a:ext>
             </a:extLst>
           </p:cNvPr>
-          <p:cNvSpPr txBox="1"/>
+          <p:cNvPicPr>
+            <a:picLocks noChangeAspect="1"/>
+          </p:cNvPicPr>
           <p:nvPr/>
-        </p:nvSpPr>
-        <p:spPr>
-          <a:xfrm>
-            <a:off x="838200" y="2951946"/>
-            <a:ext cx="9727558" cy="1384995"/>
+        </p:nvPicPr>
+        <p:blipFill>
+          <a:blip r:embed="rId4"/>
+          <a:stretch>
+            <a:fillRect/>
+          </a:stretch>
+        </p:blipFill>
+        <p:spPr>
+          <a:xfrm>
+            <a:off x="4911165" y="1497003"/>
+            <a:ext cx="6110568" cy="4995871"/>
           </a:xfrm>
           <a:prstGeom prst="rect">
             <a:avLst/>
           </a:prstGeom>
-          <a:noFill/>
-        </p:spPr>
-        <p:txBody>
-          <a:bodyPr wrap="square">
-            <a:spAutoFit/>
-          </a:bodyPr>
-          <a:lstStyle/>
-          <a:p>
-            <a:r>
-              <a:rPr lang="en-US" altLang="zh-CN" sz="2800" dirty="0"/>
-              <a:t>17 of the 40 patients who did not survive to 20 months were actually censored</a:t>
-            </a:r>
-          </a:p>
-          <a:p>
-            <a:endParaRPr lang="en-US" altLang="zh-CN" sz="2800" dirty="0"/>
-          </a:p>
-        </p:txBody>
-      </p:sp>
-      <p:sp>
-        <p:nvSpPr>
-          <p:cNvPr id="6" name="TextBox 5">
-            <a:extLst>
-              <a:ext uri="{FF2B5EF4-FFF2-40B4-BE49-F238E27FC236}">
-                <a16:creationId xmlns:a16="http://schemas.microsoft.com/office/drawing/2014/main" id="{24C47636-07C6-95F9-5A8A-EBD22EB3F50C}"/>
-              </a:ext>
-            </a:extLst>
-          </p:cNvPr>
-          <p:cNvSpPr txBox="1"/>
-          <p:nvPr/>
-        </p:nvSpPr>
-        <p:spPr>
-          <a:xfrm>
-            <a:off x="838200" y="4553971"/>
-            <a:ext cx="9727558" cy="1384995"/>
-          </a:xfrm>
-          <a:prstGeom prst="rect">
-            <a:avLst/>
-          </a:prstGeom>
-          <a:noFill/>
-        </p:spPr>
-        <p:txBody>
-          <a:bodyPr wrap="square">
-            <a:spAutoFit/>
-          </a:bodyPr>
-          <a:lstStyle/>
-          <a:p>
-            <a:r>
-              <a:rPr lang="en-US" altLang="zh-CN" sz="2800" dirty="0"/>
-              <a:t>We cannot simply assume that they died, which may lead to an underestimation</a:t>
-            </a:r>
-          </a:p>
-          <a:p>
-            <a:endParaRPr lang="en-US" altLang="zh-CN" sz="2800" dirty="0"/>
-          </a:p>
-        </p:txBody>
-      </p:sp>
+        </p:spPr>
+      </p:pic>
     </p:spTree>
     <p:extLst>
       <p:ext uri="{BB962C8B-B14F-4D97-AF65-F5344CB8AC3E}">
-        <p14:creationId xmlns:p14="http://schemas.microsoft.com/office/powerpoint/2010/main" val="2956617840"/>
+        <p14:creationId xmlns:p14="http://schemas.microsoft.com/office/powerpoint/2010/main" val="3158573877"/>
       </p:ext>
     </p:extLst>
   </p:cSld>
@@ -6632,17 +6491,17 @@
           <a:p>
             <a:r>
               <a:rPr lang="en-US" dirty="0"/>
-              <a:t>The Kaplan-Meier Estimate</a:t>
+              <a:t>Log-Rank Test</a:t>
             </a:r>
           </a:p>
         </p:txBody>
       </p:sp>
       <p:pic>
         <p:nvPicPr>
-          <p:cNvPr id="4" name="Picture 3">
+          <p:cNvPr id="3" name="Picture 2">
             <a:extLst>
               <a:ext uri="{FF2B5EF4-FFF2-40B4-BE49-F238E27FC236}">
-                <a16:creationId xmlns:a16="http://schemas.microsoft.com/office/drawing/2014/main" id="{4CF1F3EC-F55E-02B7-159A-58D16983E3C1}"/>
+                <a16:creationId xmlns:a16="http://schemas.microsoft.com/office/drawing/2014/main" id="{D2F7B1CF-BA15-A26E-F0D1-B8E28DCD18F4}"/>
               </a:ext>
             </a:extLst>
           </p:cNvPr>
@@ -6659,48 +6518,62 @@
         </p:blipFill>
         <p:spPr>
           <a:xfrm>
-            <a:off x="1076138" y="3162414"/>
-            <a:ext cx="3347944" cy="1089500"/>
+            <a:off x="3899647" y="1584102"/>
+            <a:ext cx="7772400" cy="4765559"/>
           </a:xfrm>
           <a:prstGeom prst="rect">
             <a:avLst/>
           </a:prstGeom>
         </p:spPr>
       </p:pic>
-      <p:pic>
-        <p:nvPicPr>
-          <p:cNvPr id="7" name="Picture 6">
+      <p:sp>
+        <p:nvSpPr>
+          <p:cNvPr id="5" name="TextBox 4">
             <a:extLst>
               <a:ext uri="{FF2B5EF4-FFF2-40B4-BE49-F238E27FC236}">
-                <a16:creationId xmlns:a16="http://schemas.microsoft.com/office/drawing/2014/main" id="{59BA3935-7DA8-5687-B3B3-F718E2426B16}"/>
+                <a16:creationId xmlns:a16="http://schemas.microsoft.com/office/drawing/2014/main" id="{D5CFF8A7-F178-D28E-C03D-FFF498D92A34}"/>
               </a:ext>
             </a:extLst>
           </p:cNvPr>
-          <p:cNvPicPr>
-            <a:picLocks noChangeAspect="1"/>
-          </p:cNvPicPr>
+          <p:cNvSpPr txBox="1"/>
           <p:nvPr/>
-        </p:nvPicPr>
-        <p:blipFill>
-          <a:blip r:embed="rId4"/>
-          <a:stretch>
-            <a:fillRect/>
-          </a:stretch>
-        </p:blipFill>
-        <p:spPr>
-          <a:xfrm>
-            <a:off x="4911165" y="1497003"/>
-            <a:ext cx="6110568" cy="4995871"/>
+        </p:nvSpPr>
+        <p:spPr>
+          <a:xfrm>
+            <a:off x="838200" y="1954536"/>
+            <a:ext cx="3249706" cy="3539430"/>
           </a:xfrm>
           <a:prstGeom prst="rect">
             <a:avLst/>
           </a:prstGeom>
-        </p:spPr>
-      </p:pic>
+          <a:noFill/>
+        </p:spPr>
+        <p:txBody>
+          <a:bodyPr wrap="square">
+            <a:spAutoFit/>
+          </a:bodyPr>
+          <a:lstStyle/>
+          <a:p>
+            <a:r>
+              <a:rPr lang="en-US" altLang="zh-CN" sz="2800" dirty="0"/>
+              <a:t>We wish to compare the survival of males to that of females.</a:t>
+            </a:r>
+          </a:p>
+          <a:p>
+            <a:r>
+              <a:rPr lang="en-US" altLang="zh-CN" sz="2800" dirty="0"/>
+              <a:t>Shown are the Kaplan-Meier survival curves for the two groups.</a:t>
+            </a:r>
+          </a:p>
+          <a:p>
+            <a:endParaRPr lang="en-US" altLang="zh-CN" sz="2800" dirty="0"/>
+          </a:p>
+        </p:txBody>
+      </p:sp>
     </p:spTree>
     <p:extLst>
       <p:ext uri="{BB962C8B-B14F-4D97-AF65-F5344CB8AC3E}">
-        <p14:creationId xmlns:p14="http://schemas.microsoft.com/office/powerpoint/2010/main" val="3158573877"/>
+        <p14:creationId xmlns:p14="http://schemas.microsoft.com/office/powerpoint/2010/main" val="1880917417"/>
       </p:ext>
     </p:extLst>
   </p:cSld>
@@ -6756,42 +6629,12 @@
           </a:p>
         </p:txBody>
       </p:sp>
-      <p:pic>
-        <p:nvPicPr>
-          <p:cNvPr id="3" name="Picture 2">
+      <p:sp>
+        <p:nvSpPr>
+          <p:cNvPr id="4" name="TextBox 3">
             <a:extLst>
               <a:ext uri="{FF2B5EF4-FFF2-40B4-BE49-F238E27FC236}">
-                <a16:creationId xmlns:a16="http://schemas.microsoft.com/office/drawing/2014/main" id="{D2F7B1CF-BA15-A26E-F0D1-B8E28DCD18F4}"/>
-              </a:ext>
-            </a:extLst>
-          </p:cNvPr>
-          <p:cNvPicPr>
-            <a:picLocks noChangeAspect="1"/>
-          </p:cNvPicPr>
-          <p:nvPr/>
-        </p:nvPicPr>
-        <p:blipFill>
-          <a:blip r:embed="rId3"/>
-          <a:stretch>
-            <a:fillRect/>
-          </a:stretch>
-        </p:blipFill>
-        <p:spPr>
-          <a:xfrm>
-            <a:off x="3899647" y="1584102"/>
-            <a:ext cx="7772400" cy="4765559"/>
-          </a:xfrm>
-          <a:prstGeom prst="rect">
-            <a:avLst/>
-          </a:prstGeom>
-        </p:spPr>
-      </p:pic>
-      <p:sp>
-        <p:nvSpPr>
-          <p:cNvPr id="5" name="TextBox 4">
-            <a:extLst>
-              <a:ext uri="{FF2B5EF4-FFF2-40B4-BE49-F238E27FC236}">
-                <a16:creationId xmlns:a16="http://schemas.microsoft.com/office/drawing/2014/main" id="{D5CFF8A7-F178-D28E-C03D-FFF498D92A34}"/>
+                <a16:creationId xmlns:a16="http://schemas.microsoft.com/office/drawing/2014/main" id="{512448DB-0E28-EA66-953A-99F48FE60307}"/>
               </a:ext>
             </a:extLst>
           </p:cNvPr>
@@ -6800,8 +6643,8 @@
         </p:nvSpPr>
         <p:spPr>
           <a:xfrm>
-            <a:off x="838200" y="1954536"/>
-            <a:ext cx="3249706" cy="3539430"/>
+            <a:off x="959224" y="1658701"/>
+            <a:ext cx="9986682" cy="954107"/>
           </a:xfrm>
           <a:prstGeom prst="rect">
             <a:avLst/>
@@ -6816,24 +6659,50 @@
           <a:p>
             <a:r>
               <a:rPr lang="en-US" altLang="zh-CN" sz="2800" dirty="0"/>
-              <a:t>We wish to compare the survival of males to that of females.</a:t>
-            </a:r>
-          </a:p>
+              <a:t>A two-sample t-test seems like an obvious choice: but the presence of censoring again creates a complication.</a:t>
+            </a:r>
+          </a:p>
+        </p:txBody>
+      </p:sp>
+      <p:sp>
+        <p:nvSpPr>
+          <p:cNvPr id="6" name="TextBox 5">
+            <a:extLst>
+              <a:ext uri="{FF2B5EF4-FFF2-40B4-BE49-F238E27FC236}">
+                <a16:creationId xmlns:a16="http://schemas.microsoft.com/office/drawing/2014/main" id="{688CA98E-420A-9058-6D5B-92C7DD71D868}"/>
+              </a:ext>
+            </a:extLst>
+          </p:cNvPr>
+          <p:cNvSpPr txBox="1"/>
+          <p:nvPr/>
+        </p:nvSpPr>
+        <p:spPr>
+          <a:xfrm>
+            <a:off x="959224" y="3291086"/>
+            <a:ext cx="9986682" cy="523220"/>
+          </a:xfrm>
+          <a:prstGeom prst="rect">
+            <a:avLst/>
+          </a:prstGeom>
+          <a:noFill/>
+        </p:spPr>
+        <p:txBody>
+          <a:bodyPr wrap="square">
+            <a:spAutoFit/>
+          </a:bodyPr>
+          <a:lstStyle/>
           <a:p>
             <a:r>
               <a:rPr lang="en-US" altLang="zh-CN" sz="2800" dirty="0"/>
-              <a:t>Shown are the Kaplan-Meier survival curves for the two groups.</a:t>
-            </a:r>
-          </a:p>
-          <a:p>
-            <a:endParaRPr lang="en-US" altLang="zh-CN" sz="2800" dirty="0"/>
+              <a:t>Therefore, we use log-rank test here</a:t>
+            </a:r>
           </a:p>
         </p:txBody>
       </p:sp>
     </p:spTree>
     <p:extLst>
       <p:ext uri="{BB962C8B-B14F-4D97-AF65-F5344CB8AC3E}">
-        <p14:creationId xmlns:p14="http://schemas.microsoft.com/office/powerpoint/2010/main" val="1880917417"/>
+        <p14:creationId xmlns:p14="http://schemas.microsoft.com/office/powerpoint/2010/main" val="4179823138"/>
       </p:ext>
     </p:extLst>
   </p:cSld>
@@ -6904,7 +6773,7 @@
         <p:spPr>
           <a:xfrm>
             <a:off x="959224" y="1658701"/>
-            <a:ext cx="9986682" cy="954107"/>
+            <a:ext cx="10013576" cy="1384995"/>
           </a:xfrm>
           <a:prstGeom prst="rect">
             <a:avLst/>
@@ -6919,17 +6788,41 @@
           <a:p>
             <a:r>
               <a:rPr lang="en-US" altLang="zh-CN" sz="2800" dirty="0"/>
-              <a:t>A two-sample t-test seems like an obvious choice: but the presence of censoring again creates a complication.</a:t>
-            </a:r>
-          </a:p>
-        </p:txBody>
-      </p:sp>
-      <p:sp>
-        <p:nvSpPr>
-          <p:cNvPr id="6" name="TextBox 5">
+              <a:t>d1 &lt; d2 &lt; …… &lt; </a:t>
+            </a:r>
+            <a:r>
+              <a:rPr lang="en-US" altLang="zh-CN" sz="2800" dirty="0" err="1"/>
+              <a:t>dK</a:t>
+            </a:r>
+            <a:r>
+              <a:rPr lang="en-US" altLang="zh-CN" sz="2800" dirty="0"/>
+              <a:t> are the unique death times among the non-censored patients, </a:t>
+            </a:r>
+            <a:r>
+              <a:rPr lang="en-US" altLang="zh-CN" sz="2800" dirty="0" err="1"/>
+              <a:t>rk</a:t>
+            </a:r>
+            <a:r>
+              <a:rPr lang="en-US" altLang="zh-CN" sz="2800" dirty="0"/>
+              <a:t> is the number of patients at risk at time dk, and </a:t>
+            </a:r>
+            <a:r>
+              <a:rPr lang="en-US" altLang="zh-CN" sz="2800" dirty="0" err="1"/>
+              <a:t>qk</a:t>
+            </a:r>
+            <a:r>
+              <a:rPr lang="en-US" altLang="zh-CN" sz="2800" dirty="0"/>
+              <a:t> is the number of patients who died at time dk.</a:t>
+            </a:r>
+          </a:p>
+        </p:txBody>
+      </p:sp>
+      <p:sp>
+        <p:nvSpPr>
+          <p:cNvPr id="5" name="TextBox 4">
             <a:extLst>
               <a:ext uri="{FF2B5EF4-FFF2-40B4-BE49-F238E27FC236}">
-                <a16:creationId xmlns:a16="http://schemas.microsoft.com/office/drawing/2014/main" id="{688CA98E-420A-9058-6D5B-92C7DD71D868}"/>
+                <a16:creationId xmlns:a16="http://schemas.microsoft.com/office/drawing/2014/main" id="{E6022606-347A-9D5C-1AC1-BD18C2844E69}"/>
               </a:ext>
             </a:extLst>
           </p:cNvPr>
@@ -6938,8 +6831,8 @@
         </p:nvSpPr>
         <p:spPr>
           <a:xfrm>
-            <a:off x="959224" y="3291086"/>
-            <a:ext cx="9986682" cy="523220"/>
+            <a:off x="959224" y="3355377"/>
+            <a:ext cx="10013576" cy="1384995"/>
           </a:xfrm>
           <a:prstGeom prst="rect">
             <a:avLst/>
@@ -6954,7 +6847,73 @@
           <a:p>
             <a:r>
               <a:rPr lang="en-US" altLang="zh-CN" sz="2800" dirty="0"/>
-              <a:t>Therefore, we use log-rank test here</a:t>
+              <a:t>We further define r1k and r2k to be the number of patients in groups 1 and 2, respectively, who are at risk at time dk.</a:t>
+            </a:r>
+          </a:p>
+          <a:p>
+            <a:endParaRPr lang="en-US" altLang="zh-CN" sz="2800" dirty="0"/>
+          </a:p>
+        </p:txBody>
+      </p:sp>
+      <p:sp>
+        <p:nvSpPr>
+          <p:cNvPr id="3" name="TextBox 2">
+            <a:extLst>
+              <a:ext uri="{FF2B5EF4-FFF2-40B4-BE49-F238E27FC236}">
+                <a16:creationId xmlns:a16="http://schemas.microsoft.com/office/drawing/2014/main" id="{C015D46D-9D0A-8F7B-3226-29AEB4453EF6}"/>
+              </a:ext>
+            </a:extLst>
+          </p:cNvPr>
+          <p:cNvSpPr txBox="1"/>
+          <p:nvPr/>
+        </p:nvSpPr>
+        <p:spPr>
+          <a:xfrm>
+            <a:off x="959224" y="4740372"/>
+            <a:ext cx="10013576" cy="1384995"/>
+          </a:xfrm>
+          <a:prstGeom prst="rect">
+            <a:avLst/>
+          </a:prstGeom>
+          <a:noFill/>
+        </p:spPr>
+        <p:txBody>
+          <a:bodyPr wrap="square">
+            <a:spAutoFit/>
+          </a:bodyPr>
+          <a:lstStyle/>
+          <a:p>
+            <a:r>
+              <a:rPr lang="en-US" altLang="zh-CN" sz="2800" dirty="0"/>
+              <a:t>Similarly, we define q1k and q2k to be the number of</a:t>
+            </a:r>
+          </a:p>
+          <a:p>
+            <a:r>
+              <a:rPr lang="en-US" altLang="zh-CN" sz="2800" dirty="0"/>
+              <a:t>patients in groups 1 and 2, respectively, who died at time</a:t>
+            </a:r>
+          </a:p>
+          <a:p>
+            <a:r>
+              <a:rPr lang="en-US" altLang="zh-CN" sz="2800" dirty="0"/>
+              <a:t>dk. Note that r1k + r2k = </a:t>
+            </a:r>
+            <a:r>
+              <a:rPr lang="en-US" altLang="zh-CN" sz="2800" dirty="0" err="1"/>
+              <a:t>rk</a:t>
+            </a:r>
+            <a:r>
+              <a:rPr lang="en-US" altLang="zh-CN" sz="2800" dirty="0"/>
+              <a:t> and q1k + q2k = </a:t>
+            </a:r>
+            <a:r>
+              <a:rPr lang="en-US" altLang="zh-CN" sz="2800" dirty="0" err="1"/>
+              <a:t>qk</a:t>
+            </a:r>
+            <a:r>
+              <a:rPr lang="en-US" altLang="zh-CN" sz="2800" dirty="0"/>
+              <a:t>.</a:t>
             </a:r>
           </a:p>
         </p:txBody>
@@ -6962,7 +6921,7 @@
     </p:spTree>
     <p:extLst>
       <p:ext uri="{BB962C8B-B14F-4D97-AF65-F5344CB8AC3E}">
-        <p14:creationId xmlns:p14="http://schemas.microsoft.com/office/powerpoint/2010/main" val="4179823138"/>
+        <p14:creationId xmlns:p14="http://schemas.microsoft.com/office/powerpoint/2010/main" val="3331706269"/>
       </p:ext>
     </p:extLst>
   </p:cSld>
@@ -7048,140 +7007,54 @@
           <a:p>
             <a:r>
               <a:rPr lang="en-US" altLang="zh-CN" sz="2800" dirty="0"/>
-              <a:t>d1 &lt; d2 &lt; …… &lt; </a:t>
-            </a:r>
-            <a:r>
-              <a:rPr lang="en-US" altLang="zh-CN" sz="2800" dirty="0" err="1"/>
-              <a:t>dK</a:t>
-            </a:r>
+              <a:t>At each death time dk, we construct a 2x2 table of counts of</a:t>
+            </a:r>
+          </a:p>
+          <a:p>
             <a:r>
               <a:rPr lang="en-US" altLang="zh-CN" sz="2800" dirty="0"/>
-              <a:t> are the unique death times among the non-censored patients, </a:t>
-            </a:r>
-            <a:r>
-              <a:rPr lang="en-US" altLang="zh-CN" sz="2800" dirty="0" err="1"/>
-              <a:t>rk</a:t>
-            </a:r>
-            <a:r>
-              <a:rPr lang="en-US" altLang="zh-CN" sz="2800" dirty="0"/>
-              <a:t> is the number of patients at risk at time dk, and </a:t>
-            </a:r>
-            <a:r>
-              <a:rPr lang="en-US" altLang="zh-CN" sz="2800" dirty="0" err="1"/>
-              <a:t>qk</a:t>
-            </a:r>
-            <a:r>
-              <a:rPr lang="en-US" altLang="zh-CN" sz="2800" dirty="0"/>
-              <a:t> is the number of patients who died at time dk.</a:t>
-            </a:r>
-          </a:p>
-        </p:txBody>
-      </p:sp>
-      <p:sp>
-        <p:nvSpPr>
-          <p:cNvPr id="5" name="TextBox 4">
+              <a:t>the form shown above.</a:t>
+            </a:r>
+          </a:p>
+          <a:p>
+            <a:endParaRPr lang="en-US" altLang="zh-CN" sz="2800" dirty="0"/>
+          </a:p>
+        </p:txBody>
+      </p:sp>
+      <p:pic>
+        <p:nvPicPr>
+          <p:cNvPr id="6" name="Picture 5">
             <a:extLst>
               <a:ext uri="{FF2B5EF4-FFF2-40B4-BE49-F238E27FC236}">
-                <a16:creationId xmlns:a16="http://schemas.microsoft.com/office/drawing/2014/main" id="{E6022606-347A-9D5C-1AC1-BD18C2844E69}"/>
+                <a16:creationId xmlns:a16="http://schemas.microsoft.com/office/drawing/2014/main" id="{E215C3A1-115A-A0CF-F424-090EB579E707}"/>
               </a:ext>
             </a:extLst>
           </p:cNvPr>
-          <p:cNvSpPr txBox="1"/>
+          <p:cNvPicPr>
+            <a:picLocks noChangeAspect="1"/>
+          </p:cNvPicPr>
           <p:nvPr/>
-        </p:nvSpPr>
-        <p:spPr>
-          <a:xfrm>
-            <a:off x="959224" y="3355377"/>
-            <a:ext cx="10013576" cy="1384995"/>
+        </p:nvPicPr>
+        <p:blipFill>
+          <a:blip r:embed="rId3"/>
+          <a:stretch>
+            <a:fillRect/>
+          </a:stretch>
+        </p:blipFill>
+        <p:spPr>
+          <a:xfrm>
+            <a:off x="2273674" y="3043696"/>
+            <a:ext cx="6641726" cy="2077668"/>
           </a:xfrm>
           <a:prstGeom prst="rect">
             <a:avLst/>
           </a:prstGeom>
-          <a:noFill/>
-        </p:spPr>
-        <p:txBody>
-          <a:bodyPr wrap="square">
-            <a:spAutoFit/>
-          </a:bodyPr>
-          <a:lstStyle/>
-          <a:p>
-            <a:r>
-              <a:rPr lang="en-US" altLang="zh-CN" sz="2800" dirty="0"/>
-              <a:t>We further define r1k and r2k to be the number of patients in groups 1 and 2, respectively, who are at risk at time dk.</a:t>
-            </a:r>
-          </a:p>
-          <a:p>
-            <a:endParaRPr lang="en-US" altLang="zh-CN" sz="2800" dirty="0"/>
-          </a:p>
-        </p:txBody>
-      </p:sp>
-      <p:sp>
-        <p:nvSpPr>
-          <p:cNvPr id="3" name="TextBox 2">
-            <a:extLst>
-              <a:ext uri="{FF2B5EF4-FFF2-40B4-BE49-F238E27FC236}">
-                <a16:creationId xmlns:a16="http://schemas.microsoft.com/office/drawing/2014/main" id="{C015D46D-9D0A-8F7B-3226-29AEB4453EF6}"/>
-              </a:ext>
-            </a:extLst>
-          </p:cNvPr>
-          <p:cNvSpPr txBox="1"/>
-          <p:nvPr/>
-        </p:nvSpPr>
-        <p:spPr>
-          <a:xfrm>
-            <a:off x="959224" y="4740372"/>
-            <a:ext cx="10013576" cy="1384995"/>
-          </a:xfrm>
-          <a:prstGeom prst="rect">
-            <a:avLst/>
-          </a:prstGeom>
-          <a:noFill/>
-        </p:spPr>
-        <p:txBody>
-          <a:bodyPr wrap="square">
-            <a:spAutoFit/>
-          </a:bodyPr>
-          <a:lstStyle/>
-          <a:p>
-            <a:r>
-              <a:rPr lang="en-US" altLang="zh-CN" sz="2800" dirty="0"/>
-              <a:t>Similarly, we define q1k and q2k to be the number of</a:t>
-            </a:r>
-          </a:p>
-          <a:p>
-            <a:r>
-              <a:rPr lang="en-US" altLang="zh-CN" sz="2800" dirty="0"/>
-              <a:t>patients in groups 1 and 2, respectively, who died at time</a:t>
-            </a:r>
-          </a:p>
-          <a:p>
-            <a:r>
-              <a:rPr lang="en-US" altLang="zh-CN" sz="2800" dirty="0"/>
-              <a:t>dk. Note that r1k + r2k = </a:t>
-            </a:r>
-            <a:r>
-              <a:rPr lang="en-US" altLang="zh-CN" sz="2800" dirty="0" err="1"/>
-              <a:t>rk</a:t>
-            </a:r>
-            <a:r>
-              <a:rPr lang="en-US" altLang="zh-CN" sz="2800" dirty="0"/>
-              <a:t> and q1k + q2k = </a:t>
-            </a:r>
-            <a:r>
-              <a:rPr lang="en-US" altLang="zh-CN" sz="2800" dirty="0" err="1"/>
-              <a:t>qk</a:t>
-            </a:r>
-            <a:r>
-              <a:rPr lang="en-US" altLang="zh-CN" sz="2800" dirty="0"/>
-              <a:t>.</a:t>
-            </a:r>
-          </a:p>
-        </p:txBody>
-      </p:sp>
+        </p:spPr>
+      </p:pic>
     </p:spTree>
     <p:extLst>
       <p:ext uri="{BB962C8B-B14F-4D97-AF65-F5344CB8AC3E}">
-        <p14:creationId xmlns:p14="http://schemas.microsoft.com/office/powerpoint/2010/main" val="3331706269"/>
+        <p14:creationId xmlns:p14="http://schemas.microsoft.com/office/powerpoint/2010/main" val="3613063678"/>
       </p:ext>
     </p:extLst>
   </p:cSld>
@@ -7232,7 +7105,7 @@
           <a:p>
             <a:r>
               <a:rPr lang="en-US" dirty="0"/>
-              <a:t>Log-Rank Test</a:t>
+              <a:t>Log Rank Test: the Main Idea</a:t>
             </a:r>
           </a:p>
         </p:txBody>
@@ -7252,7 +7125,7 @@
         <p:spPr>
           <a:xfrm>
             <a:off x="959224" y="1658701"/>
-            <a:ext cx="10013576" cy="1384995"/>
+            <a:ext cx="10013576" cy="954107"/>
           </a:xfrm>
           <a:prstGeom prst="rect">
             <a:avLst/>
@@ -7267,26 +7140,17 @@
           <a:p>
             <a:r>
               <a:rPr lang="en-US" altLang="zh-CN" sz="2800" dirty="0"/>
-              <a:t>At each death time dk, we construct a 2x2 table of counts of</a:t>
-            </a:r>
-          </a:p>
-          <a:p>
-            <a:r>
-              <a:rPr lang="en-US" altLang="zh-CN" sz="2800" dirty="0"/>
-              <a:t>the form shown above.</a:t>
-            </a:r>
-          </a:p>
-          <a:p>
-            <a:endParaRPr lang="en-US" altLang="zh-CN" sz="2800" dirty="0"/>
+              <a:t>To test H0 : E(X) = 0 for some random variable X, one approach is to construct a test statistic of the form</a:t>
+            </a:r>
           </a:p>
         </p:txBody>
       </p:sp>
       <p:pic>
         <p:nvPicPr>
-          <p:cNvPr id="6" name="Picture 5">
+          <p:cNvPr id="3" name="Picture 2">
             <a:extLst>
               <a:ext uri="{FF2B5EF4-FFF2-40B4-BE49-F238E27FC236}">
-                <a16:creationId xmlns:a16="http://schemas.microsoft.com/office/drawing/2014/main" id="{E215C3A1-115A-A0CF-F424-090EB579E707}"/>
+                <a16:creationId xmlns:a16="http://schemas.microsoft.com/office/drawing/2014/main" id="{2C9A7AE9-7DB9-CCF6-AE13-F656B1920BC1}"/>
               </a:ext>
             </a:extLst>
           </p:cNvPr>
@@ -7303,18 +7167,56 @@
         </p:blipFill>
         <p:spPr>
           <a:xfrm>
-            <a:off x="2273674" y="3043696"/>
-            <a:ext cx="6641726" cy="2077668"/>
+            <a:off x="4334436" y="2940050"/>
+            <a:ext cx="2550459" cy="1334268"/>
           </a:xfrm>
           <a:prstGeom prst="rect">
             <a:avLst/>
           </a:prstGeom>
         </p:spPr>
       </p:pic>
+      <p:sp>
+        <p:nvSpPr>
+          <p:cNvPr id="5" name="TextBox 4">
+            <a:extLst>
+              <a:ext uri="{FF2B5EF4-FFF2-40B4-BE49-F238E27FC236}">
+                <a16:creationId xmlns:a16="http://schemas.microsoft.com/office/drawing/2014/main" id="{9877BD99-A71A-FB96-BFF7-AABBC72AC94C}"/>
+              </a:ext>
+            </a:extLst>
+          </p:cNvPr>
+          <p:cNvSpPr txBox="1"/>
+          <p:nvPr/>
+        </p:nvSpPr>
+        <p:spPr>
+          <a:xfrm>
+            <a:off x="838200" y="4392936"/>
+            <a:ext cx="10013576" cy="1384995"/>
+          </a:xfrm>
+          <a:prstGeom prst="rect">
+            <a:avLst/>
+          </a:prstGeom>
+          <a:noFill/>
+        </p:spPr>
+        <p:txBody>
+          <a:bodyPr wrap="square">
+            <a:spAutoFit/>
+          </a:bodyPr>
+          <a:lstStyle/>
+          <a:p>
+            <a:r>
+              <a:rPr lang="en-US" altLang="zh-CN" sz="2800" dirty="0"/>
+              <a:t>where E(X) and Var(X) are the expectation and variance, respectively, of X under H0.</a:t>
+            </a:r>
+          </a:p>
+          <a:p>
+            <a:endParaRPr lang="en-US" altLang="zh-CN" sz="2800" dirty="0"/>
+          </a:p>
+        </p:txBody>
+      </p:sp>
     </p:spTree>
     <p:extLst>
       <p:ext uri="{BB962C8B-B14F-4D97-AF65-F5344CB8AC3E}">
-        <p14:creationId xmlns:p14="http://schemas.microsoft.com/office/powerpoint/2010/main" val="3613063678"/>
+        <p14:creationId xmlns:p14="http://schemas.microsoft.com/office/powerpoint/2010/main" val="2737635464"/>
       </p:ext>
     </p:extLst>
   </p:cSld>
@@ -7370,47 +7272,12 @@
           </a:p>
         </p:txBody>
       </p:sp>
-      <p:sp>
-        <p:nvSpPr>
-          <p:cNvPr id="4" name="TextBox 3">
+      <p:pic>
+        <p:nvPicPr>
+          <p:cNvPr id="7" name="Picture 6">
             <a:extLst>
               <a:ext uri="{FF2B5EF4-FFF2-40B4-BE49-F238E27FC236}">
-                <a16:creationId xmlns:a16="http://schemas.microsoft.com/office/drawing/2014/main" id="{512448DB-0E28-EA66-953A-99F48FE60307}"/>
-              </a:ext>
-            </a:extLst>
-          </p:cNvPr>
-          <p:cNvSpPr txBox="1"/>
-          <p:nvPr/>
-        </p:nvSpPr>
-        <p:spPr>
-          <a:xfrm>
-            <a:off x="959224" y="1658701"/>
-            <a:ext cx="10013576" cy="954107"/>
-          </a:xfrm>
-          <a:prstGeom prst="rect">
-            <a:avLst/>
-          </a:prstGeom>
-          <a:noFill/>
-        </p:spPr>
-        <p:txBody>
-          <a:bodyPr wrap="square">
-            <a:spAutoFit/>
-          </a:bodyPr>
-          <a:lstStyle/>
-          <a:p>
-            <a:r>
-              <a:rPr lang="en-US" altLang="zh-CN" sz="2800" dirty="0"/>
-              <a:t>To test H0 : E(X) = 0 for some random variable X, one approach is to construct a test statistic of the form</a:t>
-            </a:r>
-          </a:p>
-        </p:txBody>
-      </p:sp>
-      <p:pic>
-        <p:nvPicPr>
-          <p:cNvPr id="3" name="Picture 2">
-            <a:extLst>
-              <a:ext uri="{FF2B5EF4-FFF2-40B4-BE49-F238E27FC236}">
-                <a16:creationId xmlns:a16="http://schemas.microsoft.com/office/drawing/2014/main" id="{2C9A7AE9-7DB9-CCF6-AE13-F656B1920BC1}"/>
+                <a16:creationId xmlns:a16="http://schemas.microsoft.com/office/drawing/2014/main" id="{A95BBCDA-7389-FC57-DC36-0924D45BEDBD}"/>
               </a:ext>
             </a:extLst>
           </p:cNvPr>
@@ -7427,56 +7294,48 @@
         </p:blipFill>
         <p:spPr>
           <a:xfrm>
-            <a:off x="4334436" y="2940050"/>
-            <a:ext cx="2550459" cy="1334268"/>
+            <a:off x="838198" y="1432129"/>
+            <a:ext cx="9711515" cy="2040028"/>
           </a:xfrm>
           <a:prstGeom prst="rect">
             <a:avLst/>
           </a:prstGeom>
         </p:spPr>
       </p:pic>
-      <p:sp>
-        <p:nvSpPr>
-          <p:cNvPr id="5" name="TextBox 4">
+      <p:pic>
+        <p:nvPicPr>
+          <p:cNvPr id="8" name="Picture 7">
             <a:extLst>
               <a:ext uri="{FF2B5EF4-FFF2-40B4-BE49-F238E27FC236}">
-                <a16:creationId xmlns:a16="http://schemas.microsoft.com/office/drawing/2014/main" id="{9877BD99-A71A-FB96-BFF7-AABBC72AC94C}"/>
+                <a16:creationId xmlns:a16="http://schemas.microsoft.com/office/drawing/2014/main" id="{7E6356C2-0C3E-E7CB-4362-2DED1BB28C6D}"/>
               </a:ext>
             </a:extLst>
           </p:cNvPr>
-          <p:cNvSpPr txBox="1"/>
+          <p:cNvPicPr>
+            <a:picLocks noChangeAspect="1"/>
+          </p:cNvPicPr>
           <p:nvPr/>
-        </p:nvSpPr>
-        <p:spPr>
-          <a:xfrm>
-            <a:off x="838200" y="4392936"/>
-            <a:ext cx="10013576" cy="1384995"/>
+        </p:nvPicPr>
+        <p:blipFill>
+          <a:blip r:embed="rId4"/>
+          <a:stretch>
+            <a:fillRect/>
+          </a:stretch>
+        </p:blipFill>
+        <p:spPr>
+          <a:xfrm>
+            <a:off x="838198" y="3557266"/>
+            <a:ext cx="9273989" cy="2622834"/>
           </a:xfrm>
           <a:prstGeom prst="rect">
             <a:avLst/>
           </a:prstGeom>
-          <a:noFill/>
-        </p:spPr>
-        <p:txBody>
-          <a:bodyPr wrap="square">
-            <a:spAutoFit/>
-          </a:bodyPr>
-          <a:lstStyle/>
-          <a:p>
-            <a:r>
-              <a:rPr lang="en-US" altLang="zh-CN" sz="2800" dirty="0"/>
-              <a:t>where E(X) and Var(X) are the expectation and variance, respectively, of X under H0.</a:t>
-            </a:r>
-          </a:p>
-          <a:p>
-            <a:endParaRPr lang="en-US" altLang="zh-CN" sz="2800" dirty="0"/>
-          </a:p>
-        </p:txBody>
-      </p:sp>
+        </p:spPr>
+      </p:pic>
     </p:spTree>
     <p:extLst>
       <p:ext uri="{BB962C8B-B14F-4D97-AF65-F5344CB8AC3E}">
-        <p14:creationId xmlns:p14="http://schemas.microsoft.com/office/powerpoint/2010/main" val="2737635464"/>
+        <p14:creationId xmlns:p14="http://schemas.microsoft.com/office/powerpoint/2010/main" val="3096677739"/>
       </p:ext>
     </p:extLst>
   </p:cSld>
@@ -7694,75 +7553,94 @@
           <a:p>
             <a:r>
               <a:rPr lang="en-US" dirty="0"/>
-              <a:t>Log Rank Test: the Main Idea</a:t>
-            </a:r>
-          </a:p>
-        </p:txBody>
-      </p:sp>
-      <p:pic>
-        <p:nvPicPr>
-          <p:cNvPr id="7" name="Picture 6">
+              <a:t>Regression Models with a Survival Response</a:t>
+            </a:r>
+          </a:p>
+        </p:txBody>
+      </p:sp>
+      <p:sp>
+        <p:nvSpPr>
+          <p:cNvPr id="3" name="TextBox 2">
             <a:extLst>
               <a:ext uri="{FF2B5EF4-FFF2-40B4-BE49-F238E27FC236}">
-                <a16:creationId xmlns:a16="http://schemas.microsoft.com/office/drawing/2014/main" id="{A95BBCDA-7389-FC57-DC36-0924D45BEDBD}"/>
+                <a16:creationId xmlns:a16="http://schemas.microsoft.com/office/drawing/2014/main" id="{E46D69CB-E12B-0F4C-EC3C-96EEA9C691DC}"/>
               </a:ext>
             </a:extLst>
           </p:cNvPr>
-          <p:cNvPicPr>
-            <a:picLocks noChangeAspect="1"/>
-          </p:cNvPicPr>
+          <p:cNvSpPr txBox="1"/>
           <p:nvPr/>
-        </p:nvPicPr>
-        <p:blipFill>
-          <a:blip r:embed="rId3"/>
-          <a:stretch>
-            <a:fillRect/>
-          </a:stretch>
-        </p:blipFill>
-        <p:spPr>
-          <a:xfrm>
-            <a:off x="838198" y="1432129"/>
-            <a:ext cx="9711515" cy="2040028"/>
+        </p:nvSpPr>
+        <p:spPr>
+          <a:xfrm>
+            <a:off x="959224" y="1658701"/>
+            <a:ext cx="10013576" cy="2246769"/>
           </a:xfrm>
           <a:prstGeom prst="rect">
             <a:avLst/>
           </a:prstGeom>
-        </p:spPr>
-      </p:pic>
-      <p:pic>
-        <p:nvPicPr>
-          <p:cNvPr id="8" name="Picture 7">
+          <a:noFill/>
+        </p:spPr>
+        <p:txBody>
+          <a:bodyPr wrap="square">
+            <a:spAutoFit/>
+          </a:bodyPr>
+          <a:lstStyle/>
+          <a:p>
+            <a:r>
+              <a:rPr lang="en-US" altLang="zh-CN" sz="2800" dirty="0"/>
+              <a:t>We wish to predict the true survival time T. Since the observed quantity Y = min(T;C) is positive and may have a long right tail, we might be tempted to fit a linear regression of log(Y ) on X. But censoring again creates a problem.</a:t>
+            </a:r>
+          </a:p>
+          <a:p>
+            <a:endParaRPr lang="en-US" altLang="zh-CN" sz="2800" dirty="0"/>
+          </a:p>
+        </p:txBody>
+      </p:sp>
+      <p:sp>
+        <p:nvSpPr>
+          <p:cNvPr id="4" name="TextBox 3">
             <a:extLst>
               <a:ext uri="{FF2B5EF4-FFF2-40B4-BE49-F238E27FC236}">
-                <a16:creationId xmlns:a16="http://schemas.microsoft.com/office/drawing/2014/main" id="{7E6356C2-0C3E-E7CB-4362-2DED1BB28C6D}"/>
+                <a16:creationId xmlns:a16="http://schemas.microsoft.com/office/drawing/2014/main" id="{61A599A2-FEA0-EE5A-DD22-CA47D6BF0A21}"/>
               </a:ext>
             </a:extLst>
           </p:cNvPr>
-          <p:cNvPicPr>
-            <a:picLocks noChangeAspect="1"/>
-          </p:cNvPicPr>
+          <p:cNvSpPr txBox="1"/>
           <p:nvPr/>
-        </p:nvPicPr>
-        <p:blipFill>
-          <a:blip r:embed="rId4"/>
-          <a:stretch>
-            <a:fillRect/>
-          </a:stretch>
-        </p:blipFill>
-        <p:spPr>
-          <a:xfrm>
-            <a:off x="838198" y="3557266"/>
-            <a:ext cx="9273989" cy="2622834"/>
+        </p:nvSpPr>
+        <p:spPr>
+          <a:xfrm>
+            <a:off x="959224" y="4217151"/>
+            <a:ext cx="10013576" cy="2246769"/>
           </a:xfrm>
           <a:prstGeom prst="rect">
             <a:avLst/>
           </a:prstGeom>
-        </p:spPr>
-      </p:pic>
+          <a:noFill/>
+        </p:spPr>
+        <p:txBody>
+          <a:bodyPr wrap="square">
+            <a:spAutoFit/>
+          </a:bodyPr>
+          <a:lstStyle/>
+          <a:p>
+            <a:r>
+              <a:rPr lang="en-US" altLang="zh-CN" sz="2800" dirty="0"/>
+              <a:t>To overcome this difficulty, we instead make use of a sequential construction, similar to the idea used for the Kaplan-Meier survival curve.</a:t>
+            </a:r>
+          </a:p>
+          <a:p>
+            <a:endParaRPr lang="en-US" altLang="zh-CN" sz="2800" dirty="0"/>
+          </a:p>
+          <a:p>
+            <a:endParaRPr lang="en-US" altLang="zh-CN" sz="2800" dirty="0"/>
+          </a:p>
+        </p:txBody>
+      </p:sp>
     </p:spTree>
     <p:extLst>
       <p:ext uri="{BB962C8B-B14F-4D97-AF65-F5344CB8AC3E}">
-        <p14:creationId xmlns:p14="http://schemas.microsoft.com/office/powerpoint/2010/main" val="3096677739"/>
+        <p14:creationId xmlns:p14="http://schemas.microsoft.com/office/powerpoint/2010/main" val="1017107924"/>
       </p:ext>
     </p:extLst>
   </p:cSld>
@@ -7813,7 +7691,7 @@
           <a:p>
             <a:r>
               <a:rPr lang="en-US" dirty="0"/>
-              <a:t>Regression Models with a Survival Response</a:t>
+              <a:t>Hazard Function</a:t>
             </a:r>
           </a:p>
         </p:txBody>
@@ -7833,7 +7711,7 @@
         <p:spPr>
           <a:xfrm>
             <a:off x="959224" y="1658701"/>
-            <a:ext cx="10013576" cy="2246769"/>
+            <a:ext cx="10013576" cy="954107"/>
           </a:xfrm>
           <a:prstGeom prst="rect">
             <a:avLst/>
@@ -7848,20 +7726,53 @@
           <a:p>
             <a:r>
               <a:rPr lang="en-US" altLang="zh-CN" sz="2800" dirty="0"/>
-              <a:t>We wish to predict the true survival time T. Since the observed quantity Y = min(T;C) is positive and may have a long right tail, we might be tempted to fit a linear regression of log(Y ) on X. But censoring again creates a problem.</a:t>
-            </a:r>
-          </a:p>
-          <a:p>
-            <a:endParaRPr lang="en-US" altLang="zh-CN" sz="2800" dirty="0"/>
-          </a:p>
-        </p:txBody>
-      </p:sp>
-      <p:sp>
-        <p:nvSpPr>
-          <p:cNvPr id="4" name="TextBox 3">
+              <a:t>The hazard function or hazard rate, also known as the force of</a:t>
+            </a:r>
+          </a:p>
+          <a:p>
+            <a:r>
+              <a:rPr lang="en-US" altLang="zh-CN" sz="2800" dirty="0"/>
+              <a:t>mortality is formally defined as</a:t>
+            </a:r>
+          </a:p>
+        </p:txBody>
+      </p:sp>
+      <p:pic>
+        <p:nvPicPr>
+          <p:cNvPr id="5" name="Picture 4">
             <a:extLst>
               <a:ext uri="{FF2B5EF4-FFF2-40B4-BE49-F238E27FC236}">
-                <a16:creationId xmlns:a16="http://schemas.microsoft.com/office/drawing/2014/main" id="{61A599A2-FEA0-EE5A-DD22-CA47D6BF0A21}"/>
+                <a16:creationId xmlns:a16="http://schemas.microsoft.com/office/drawing/2014/main" id="{5D1C438D-BFE5-ECCD-820B-611E9617A106}"/>
+              </a:ext>
+            </a:extLst>
+          </p:cNvPr>
+          <p:cNvPicPr>
+            <a:picLocks noChangeAspect="1"/>
+          </p:cNvPicPr>
+          <p:nvPr/>
+        </p:nvPicPr>
+        <p:blipFill>
+          <a:blip r:embed="rId3"/>
+          <a:stretch>
+            <a:fillRect/>
+          </a:stretch>
+        </p:blipFill>
+        <p:spPr>
+          <a:xfrm>
+            <a:off x="2789143" y="2951319"/>
+            <a:ext cx="5611064" cy="955361"/>
+          </a:xfrm>
+          <a:prstGeom prst="rect">
+            <a:avLst/>
+          </a:prstGeom>
+        </p:spPr>
+      </p:pic>
+      <p:sp>
+        <p:nvSpPr>
+          <p:cNvPr id="6" name="TextBox 5">
+            <a:extLst>
+              <a:ext uri="{FF2B5EF4-FFF2-40B4-BE49-F238E27FC236}">
+                <a16:creationId xmlns:a16="http://schemas.microsoft.com/office/drawing/2014/main" id="{BB16A2E8-36BF-805C-E9F8-A60C2EC33B30}"/>
               </a:ext>
             </a:extLst>
           </p:cNvPr>
@@ -7870,8 +7781,8 @@
         </p:nvSpPr>
         <p:spPr>
           <a:xfrm>
-            <a:off x="959224" y="4217151"/>
-            <a:ext cx="10013576" cy="2246769"/>
+            <a:off x="838200" y="4352595"/>
+            <a:ext cx="10013576" cy="523220"/>
           </a:xfrm>
           <a:prstGeom prst="rect">
             <a:avLst/>
@@ -7886,11 +7797,43 @@
           <a:p>
             <a:r>
               <a:rPr lang="en-US" altLang="zh-CN" sz="2800" dirty="0"/>
-              <a:t>To overcome this difficulty, we instead make use of a sequential construction, similar to the idea used for the Kaplan-Meier survival curve.</a:t>
-            </a:r>
-          </a:p>
-          <a:p>
-            <a:endParaRPr lang="en-US" altLang="zh-CN" sz="2800" dirty="0"/>
+              <a:t>where T is the (true) survival time.</a:t>
+            </a:r>
+          </a:p>
+        </p:txBody>
+      </p:sp>
+      <p:sp>
+        <p:nvSpPr>
+          <p:cNvPr id="7" name="TextBox 6">
+            <a:extLst>
+              <a:ext uri="{FF2B5EF4-FFF2-40B4-BE49-F238E27FC236}">
+                <a16:creationId xmlns:a16="http://schemas.microsoft.com/office/drawing/2014/main" id="{A7556D61-7F4B-74C6-9FA6-E77D39E10954}"/>
+              </a:ext>
+            </a:extLst>
+          </p:cNvPr>
+          <p:cNvSpPr txBox="1"/>
+          <p:nvPr/>
+        </p:nvSpPr>
+        <p:spPr>
+          <a:xfrm>
+            <a:off x="838200" y="5107879"/>
+            <a:ext cx="10013576" cy="1384995"/>
+          </a:xfrm>
+          <a:prstGeom prst="rect">
+            <a:avLst/>
+          </a:prstGeom>
+          <a:noFill/>
+        </p:spPr>
+        <p:txBody>
+          <a:bodyPr wrap="square">
+            <a:spAutoFit/>
+          </a:bodyPr>
+          <a:lstStyle/>
+          <a:p>
+            <a:r>
+              <a:rPr lang="en-US" altLang="zh-CN" sz="2800" dirty="0"/>
+              <a:t>It is the death rate in the instant after time t, given survival up to that time.</a:t>
+            </a:r>
           </a:p>
           <a:p>
             <a:endParaRPr lang="en-US" altLang="zh-CN" sz="2800" dirty="0"/>
@@ -7900,7 +7843,7 @@
     </p:spTree>
     <p:extLst>
       <p:ext uri="{BB962C8B-B14F-4D97-AF65-F5344CB8AC3E}">
-        <p14:creationId xmlns:p14="http://schemas.microsoft.com/office/powerpoint/2010/main" val="1017107924"/>
+        <p14:creationId xmlns:p14="http://schemas.microsoft.com/office/powerpoint/2010/main" val="3683271982"/>
       </p:ext>
     </p:extLst>
   </p:cSld>
@@ -7951,7 +7894,7 @@
           <a:p>
             <a:r>
               <a:rPr lang="en-US" dirty="0"/>
-              <a:t>Hazard Function</a:t>
+              <a:t>The Proportional Hazards Model</a:t>
             </a:r>
           </a:p>
         </p:txBody>
@@ -7986,113 +7929,7 @@
           <a:p>
             <a:r>
               <a:rPr lang="en-US" altLang="zh-CN" sz="2800" dirty="0"/>
-              <a:t>The hazard function or hazard rate, also known as the force of</a:t>
-            </a:r>
-          </a:p>
-          <a:p>
-            <a:r>
-              <a:rPr lang="en-US" altLang="zh-CN" sz="2800" dirty="0"/>
-              <a:t>mortality is formally defined as</a:t>
-            </a:r>
-          </a:p>
-        </p:txBody>
-      </p:sp>
-      <p:pic>
-        <p:nvPicPr>
-          <p:cNvPr id="5" name="Picture 4">
-            <a:extLst>
-              <a:ext uri="{FF2B5EF4-FFF2-40B4-BE49-F238E27FC236}">
-                <a16:creationId xmlns:a16="http://schemas.microsoft.com/office/drawing/2014/main" id="{5D1C438D-BFE5-ECCD-820B-611E9617A106}"/>
-              </a:ext>
-            </a:extLst>
-          </p:cNvPr>
-          <p:cNvPicPr>
-            <a:picLocks noChangeAspect="1"/>
-          </p:cNvPicPr>
-          <p:nvPr/>
-        </p:nvPicPr>
-        <p:blipFill>
-          <a:blip r:embed="rId3"/>
-          <a:stretch>
-            <a:fillRect/>
-          </a:stretch>
-        </p:blipFill>
-        <p:spPr>
-          <a:xfrm>
-            <a:off x="2789143" y="2951319"/>
-            <a:ext cx="5611064" cy="955361"/>
-          </a:xfrm>
-          <a:prstGeom prst="rect">
-            <a:avLst/>
-          </a:prstGeom>
-        </p:spPr>
-      </p:pic>
-      <p:sp>
-        <p:nvSpPr>
-          <p:cNvPr id="6" name="TextBox 5">
-            <a:extLst>
-              <a:ext uri="{FF2B5EF4-FFF2-40B4-BE49-F238E27FC236}">
-                <a16:creationId xmlns:a16="http://schemas.microsoft.com/office/drawing/2014/main" id="{BB16A2E8-36BF-805C-E9F8-A60C2EC33B30}"/>
-              </a:ext>
-            </a:extLst>
-          </p:cNvPr>
-          <p:cNvSpPr txBox="1"/>
-          <p:nvPr/>
-        </p:nvSpPr>
-        <p:spPr>
-          <a:xfrm>
-            <a:off x="838200" y="4352595"/>
-            <a:ext cx="10013576" cy="523220"/>
-          </a:xfrm>
-          <a:prstGeom prst="rect">
-            <a:avLst/>
-          </a:prstGeom>
-          <a:noFill/>
-        </p:spPr>
-        <p:txBody>
-          <a:bodyPr wrap="square">
-            <a:spAutoFit/>
-          </a:bodyPr>
-          <a:lstStyle/>
-          <a:p>
-            <a:r>
-              <a:rPr lang="en-US" altLang="zh-CN" sz="2800" dirty="0"/>
-              <a:t>where T is the (true) survival time.</a:t>
-            </a:r>
-          </a:p>
-        </p:txBody>
-      </p:sp>
-      <p:sp>
-        <p:nvSpPr>
-          <p:cNvPr id="7" name="TextBox 6">
-            <a:extLst>
-              <a:ext uri="{FF2B5EF4-FFF2-40B4-BE49-F238E27FC236}">
-                <a16:creationId xmlns:a16="http://schemas.microsoft.com/office/drawing/2014/main" id="{A7556D61-7F4B-74C6-9FA6-E77D39E10954}"/>
-              </a:ext>
-            </a:extLst>
-          </p:cNvPr>
-          <p:cNvSpPr txBox="1"/>
-          <p:nvPr/>
-        </p:nvSpPr>
-        <p:spPr>
-          <a:xfrm>
-            <a:off x="838200" y="5107879"/>
-            <a:ext cx="10013576" cy="1384995"/>
-          </a:xfrm>
-          <a:prstGeom prst="rect">
-            <a:avLst/>
-          </a:prstGeom>
-          <a:noFill/>
-        </p:spPr>
-        <p:txBody>
-          <a:bodyPr wrap="square">
-            <a:spAutoFit/>
-          </a:bodyPr>
-          <a:lstStyle/>
-          <a:p>
-            <a:r>
-              <a:rPr lang="en-US" altLang="zh-CN" sz="2800" dirty="0"/>
-              <a:t>It is the death rate in the instant after time t, given survival up to that time.</a:t>
+              <a:t>The proportional hazards assumption states that</a:t>
             </a:r>
           </a:p>
           <a:p>
@@ -8100,105 +7937,8 @@
           </a:p>
         </p:txBody>
       </p:sp>
-    </p:spTree>
-    <p:extLst>
-      <p:ext uri="{BB962C8B-B14F-4D97-AF65-F5344CB8AC3E}">
-        <p14:creationId xmlns:p14="http://schemas.microsoft.com/office/powerpoint/2010/main" val="3683271982"/>
-      </p:ext>
-    </p:extLst>
-  </p:cSld>
-  <p:clrMapOvr>
-    <a:masterClrMapping/>
-  </p:clrMapOvr>
-</p:sld>
-</file>
-
-<file path=ppt/slides/slide23.xml><?xml version="1.0" encoding="utf-8"?>
-<p:sld xmlns:a="http://schemas.openxmlformats.org/drawingml/2006/main" xmlns:r="http://schemas.openxmlformats.org/officeDocument/2006/relationships" xmlns:p="http://schemas.openxmlformats.org/presentationml/2006/main">
-  <p:cSld>
-    <p:spTree>
-      <p:nvGrpSpPr>
-        <p:cNvPr id="1" name=""/>
-        <p:cNvGrpSpPr/>
-        <p:nvPr/>
-      </p:nvGrpSpPr>
-      <p:grpSpPr>
-        <a:xfrm>
-          <a:off x="0" y="0"/>
-          <a:ext cx="0" cy="0"/>
-          <a:chOff x="0" y="0"/>
-          <a:chExt cx="0" cy="0"/>
-        </a:xfrm>
-      </p:grpSpPr>
-      <p:sp>
-        <p:nvSpPr>
-          <p:cNvPr id="2" name="Title 1"/>
-          <p:cNvSpPr>
-            <a:spLocks noGrp="1"/>
-          </p:cNvSpPr>
-          <p:nvPr>
-            <p:ph type="title"/>
-          </p:nvPr>
-        </p:nvSpPr>
-        <p:spPr>
-          <a:xfrm>
-            <a:off x="838200" y="365126"/>
-            <a:ext cx="10515600" cy="981894"/>
-          </a:xfrm>
-        </p:spPr>
-        <p:txBody>
-          <a:bodyPr>
-            <a:normAutofit/>
-          </a:bodyPr>
-          <a:lstStyle/>
-          <a:p>
-            <a:r>
-              <a:rPr lang="en-US" dirty="0"/>
-              <a:t>The Proportional Hazards Model</a:t>
-            </a:r>
-          </a:p>
-        </p:txBody>
-      </p:sp>
-      <p:sp>
-        <p:nvSpPr>
-          <p:cNvPr id="3" name="TextBox 2">
-            <a:extLst>
-              <a:ext uri="{FF2B5EF4-FFF2-40B4-BE49-F238E27FC236}">
-                <a16:creationId xmlns:a16="http://schemas.microsoft.com/office/drawing/2014/main" id="{E46D69CB-E12B-0F4C-EC3C-96EEA9C691DC}"/>
-              </a:ext>
-            </a:extLst>
-          </p:cNvPr>
-          <p:cNvSpPr txBox="1"/>
-          <p:nvPr/>
-        </p:nvSpPr>
-        <p:spPr>
-          <a:xfrm>
-            <a:off x="959224" y="1658701"/>
-            <a:ext cx="10013576" cy="954107"/>
-          </a:xfrm>
-          <a:prstGeom prst="rect">
-            <a:avLst/>
-          </a:prstGeom>
-          <a:noFill/>
-        </p:spPr>
-        <p:txBody>
-          <a:bodyPr wrap="square">
-            <a:spAutoFit/>
-          </a:bodyPr>
-          <a:lstStyle/>
-          <a:p>
-            <a:r>
-              <a:rPr lang="en-US" altLang="zh-CN" sz="2800" dirty="0"/>
-              <a:t>The proportional hazards assumption states that</a:t>
-            </a:r>
-          </a:p>
-          <a:p>
-            <a:endParaRPr lang="en-US" altLang="zh-CN" sz="2800" dirty="0"/>
-          </a:p>
-        </p:txBody>
-      </p:sp>
-      <mc:AlternateContent xmlns:mc="http://schemas.openxmlformats.org/markup-compatibility/2006">
-        <mc:Choice xmlns:a14="http://schemas.microsoft.com/office/drawing/2010/main" Requires="a14">
+      <mc:AlternateContent xmlns:mc="http://schemas.openxmlformats.org/markup-compatibility/2006" xmlns:a14="http://schemas.microsoft.com/office/drawing/2010/main">
+        <mc:Choice Requires="a14">
           <p:sp>
             <p:nvSpPr>
               <p:cNvPr id="6" name="TextBox 5">
@@ -8373,7 +8113,7 @@
             </p:txBody>
           </p:sp>
         </mc:Choice>
-        <mc:Fallback>
+        <mc:Fallback xmlns="">
           <p:sp>
             <p:nvSpPr>
               <p:cNvPr id="6" name="TextBox 5">
@@ -8461,7 +8201,7 @@
 </p:sld>
 </file>
 
-<file path=ppt/slides/slide24.xml><?xml version="1.0" encoding="utf-8"?>
+<file path=ppt/slides/slide23.xml><?xml version="1.0" encoding="utf-8"?>
 <p:sld xmlns:a="http://schemas.openxmlformats.org/drawingml/2006/main" xmlns:r="http://schemas.openxmlformats.org/officeDocument/2006/relationships" xmlns:p="http://schemas.openxmlformats.org/presentationml/2006/main">
   <p:cSld>
     <p:spTree>
@@ -8507,8 +8247,8 @@
           </a:p>
         </p:txBody>
       </p:sp>
-      <mc:AlternateContent xmlns:mc="http://schemas.openxmlformats.org/markup-compatibility/2006">
-        <mc:Choice xmlns:a14="http://schemas.microsoft.com/office/drawing/2010/main" Requires="a14">
+      <mc:AlternateContent xmlns:mc="http://schemas.openxmlformats.org/markup-compatibility/2006" xmlns:a14="http://schemas.microsoft.com/office/drawing/2010/main">
+        <mc:Choice Requires="a14">
           <p:sp>
             <p:nvSpPr>
               <p:cNvPr id="3" name="TextBox 2">
@@ -8634,7 +8374,7 @@
             </p:txBody>
           </p:sp>
         </mc:Choice>
-        <mc:Fallback>
+        <mc:Fallback xmlns="">
           <p:sp>
             <p:nvSpPr>
               <p:cNvPr id="3" name="TextBox 2">
@@ -8679,8 +8419,8 @@
           </p:sp>
         </mc:Fallback>
       </mc:AlternateContent>
-      <mc:AlternateContent xmlns:mc="http://schemas.openxmlformats.org/markup-compatibility/2006">
-        <mc:Choice xmlns:a14="http://schemas.microsoft.com/office/drawing/2010/main" Requires="a14">
+      <mc:AlternateContent xmlns:mc="http://schemas.openxmlformats.org/markup-compatibility/2006" xmlns:a14="http://schemas.microsoft.com/office/drawing/2010/main">
+        <mc:Choice Requires="a14">
           <p:sp>
             <p:nvSpPr>
               <p:cNvPr id="5" name="TextBox 4">
@@ -8866,7 +8606,7 @@
             </p:txBody>
           </p:sp>
         </mc:Choice>
-        <mc:Fallback>
+        <mc:Fallback xmlns="">
           <p:sp>
             <p:nvSpPr>
               <p:cNvPr id="5" name="TextBox 4">
@@ -8924,7 +8664,7 @@
 </p:sld>
 </file>
 
-<file path=ppt/slides/slide25.xml><?xml version="1.0" encoding="utf-8"?>
+<file path=ppt/slides/slide24.xml><?xml version="1.0" encoding="utf-8"?>
 <p:sld xmlns:a="http://schemas.openxmlformats.org/drawingml/2006/main" xmlns:r="http://schemas.openxmlformats.org/officeDocument/2006/relationships" xmlns:p="http://schemas.openxmlformats.org/presentationml/2006/main">
   <p:cSld>
     <p:spTree>
@@ -8970,8 +8710,8 @@
           </a:p>
         </p:txBody>
       </p:sp>
-      <mc:AlternateContent xmlns:mc="http://schemas.openxmlformats.org/markup-compatibility/2006">
-        <mc:Choice xmlns:a14="http://schemas.microsoft.com/office/drawing/2010/main" Requires="a14">
+      <mc:AlternateContent xmlns:mc="http://schemas.openxmlformats.org/markup-compatibility/2006" xmlns:a14="http://schemas.microsoft.com/office/drawing/2010/main">
+        <mc:Choice Requires="a14">
           <p:sp>
             <p:nvSpPr>
               <p:cNvPr id="3" name="TextBox 2">
@@ -9049,7 +8789,7 @@
             </p:txBody>
           </p:sp>
         </mc:Choice>
-        <mc:Fallback>
+        <mc:Fallback xmlns="">
           <p:sp>
             <p:nvSpPr>
               <p:cNvPr id="3" name="TextBox 2">
@@ -9137,7 +8877,7 @@
 </p:sld>
 </file>
 
-<file path=ppt/slides/slide26.xml><?xml version="1.0" encoding="utf-8"?>
+<file path=ppt/slides/slide25.xml><?xml version="1.0" encoding="utf-8"?>
 <p:sld xmlns:a="http://schemas.openxmlformats.org/drawingml/2006/main" xmlns:r="http://schemas.openxmlformats.org/officeDocument/2006/relationships" xmlns:p="http://schemas.openxmlformats.org/presentationml/2006/main">
   <p:cSld>
     <p:spTree>
@@ -9226,7 +8966,7 @@
 </p:sld>
 </file>
 
-<file path=ppt/slides/slide27.xml><?xml version="1.0" encoding="utf-8"?>
+<file path=ppt/slides/slide26.xml><?xml version="1.0" encoding="utf-8"?>
 <p:sld xmlns:a="http://schemas.openxmlformats.org/drawingml/2006/main" xmlns:r="http://schemas.openxmlformats.org/officeDocument/2006/relationships" xmlns:p="http://schemas.openxmlformats.org/presentationml/2006/main">
   <p:cSld>
     <p:spTree>
@@ -9272,8 +9012,8 @@
           </a:p>
         </p:txBody>
       </p:sp>
-      <mc:AlternateContent xmlns:mc="http://schemas.openxmlformats.org/markup-compatibility/2006">
-        <mc:Choice xmlns:a14="http://schemas.microsoft.com/office/drawing/2010/main" Requires="a14">
+      <mc:AlternateContent xmlns:mc="http://schemas.openxmlformats.org/markup-compatibility/2006" xmlns:a14="http://schemas.microsoft.com/office/drawing/2010/main">
+        <mc:Choice Requires="a14">
           <p:sp>
             <p:nvSpPr>
               <p:cNvPr id="3" name="TextBox 2">
@@ -9345,7 +9085,7 @@
             </p:txBody>
           </p:sp>
         </mc:Choice>
-        <mc:Fallback>
+        <mc:Fallback xmlns="">
           <p:sp>
             <p:nvSpPr>
               <p:cNvPr id="3" name="TextBox 2">
@@ -9390,8 +9130,8 @@
           </p:sp>
         </mc:Fallback>
       </mc:AlternateContent>
-      <mc:AlternateContent xmlns:mc="http://schemas.openxmlformats.org/markup-compatibility/2006">
-        <mc:Choice xmlns:a14="http://schemas.microsoft.com/office/drawing/2010/main" Requires="a14">
+      <mc:AlternateContent xmlns:mc="http://schemas.openxmlformats.org/markup-compatibility/2006" xmlns:a14="http://schemas.microsoft.com/office/drawing/2010/main">
+        <mc:Choice Requires="a14">
           <p:sp>
             <p:nvSpPr>
               <p:cNvPr id="4" name="TextBox 3">
@@ -9498,7 +9238,7 @@
             </p:txBody>
           </p:sp>
         </mc:Choice>
-        <mc:Fallback>
+        <mc:Fallback xmlns="">
           <p:sp>
             <p:nvSpPr>
               <p:cNvPr id="4" name="TextBox 3">
